--- a/Lectures/Lecture 10_Regularization.pptx
+++ b/Lectures/Lecture 10_Regularization.pptx
@@ -264,7 +264,7 @@
           <a:p>
             <a:fld id="{3FE918EF-26F2-F641-9B39-65E2E78847ED}" type="datetimeFigureOut">
               <a:rPr lang="en-US" smtClean="0"/>
-              <a:t>2/17/22</a:t>
+              <a:t>10/6/23</a:t>
             </a:fld>
             <a:endParaRPr lang="en-US"/>
           </a:p>
@@ -1826,7 +1826,7 @@
             <a:fld id="{23A271A1-F6D6-438B-A432-4747EE7ECD40}" type="datetimeFigureOut">
               <a:rPr lang="en-US" smtClean="0"/>
               <a:pPr algn="ctr" eaLnBrk="1" latinLnBrk="0" hangingPunct="1"/>
-              <a:t>2/17/22</a:t>
+              <a:t>10/6/23</a:t>
             </a:fld>
             <a:endParaRPr lang="en-US" sz="2000" dirty="0">
               <a:solidFill>
@@ -2032,7 +2032,7 @@
             <a:fld id="{23A271A1-F6D6-438B-A432-4747EE7ECD40}" type="datetimeFigureOut">
               <a:rPr lang="en-US" smtClean="0"/>
               <a:pPr eaLnBrk="1" latinLnBrk="0" hangingPunct="1"/>
-              <a:t>2/17/22</a:t>
+              <a:t>10/6/23</a:t>
             </a:fld>
             <a:endParaRPr lang="en-US"/>
           </a:p>
@@ -2219,7 +2219,7 @@
             <a:fld id="{23A271A1-F6D6-438B-A432-4747EE7ECD40}" type="datetimeFigureOut">
               <a:rPr lang="en-US" smtClean="0"/>
               <a:pPr eaLnBrk="1" latinLnBrk="0" hangingPunct="1"/>
-              <a:t>2/17/22</a:t>
+              <a:t>10/6/23</a:t>
             </a:fld>
             <a:endParaRPr lang="en-US" dirty="0"/>
           </a:p>
@@ -2484,7 +2484,7 @@
             <a:fld id="{23A271A1-F6D6-438B-A432-4747EE7ECD40}" type="datetimeFigureOut">
               <a:rPr lang="en-US" smtClean="0"/>
               <a:pPr eaLnBrk="1" latinLnBrk="0" hangingPunct="1"/>
-              <a:t>2/17/22</a:t>
+              <a:t>10/6/23</a:t>
             </a:fld>
             <a:endParaRPr lang="en-US" dirty="0"/>
           </a:p>
@@ -2906,7 +2906,7 @@
             <a:fld id="{23A271A1-F6D6-438B-A432-4747EE7ECD40}" type="datetimeFigureOut">
               <a:rPr lang="en-US" smtClean="0"/>
               <a:pPr eaLnBrk="1" latinLnBrk="0" hangingPunct="1"/>
-              <a:t>2/17/22</a:t>
+              <a:t>10/6/23</a:t>
             </a:fld>
             <a:endParaRPr lang="en-US"/>
           </a:p>
@@ -3155,7 +3155,7 @@
             <a:fld id="{23A271A1-F6D6-438B-A432-4747EE7ECD40}" type="datetimeFigureOut">
               <a:rPr lang="en-US" smtClean="0"/>
               <a:pPr eaLnBrk="1" latinLnBrk="0" hangingPunct="1"/>
-              <a:t>2/17/22</a:t>
+              <a:t>10/6/23</a:t>
             </a:fld>
             <a:endParaRPr lang="en-US"/>
           </a:p>
@@ -3394,7 +3394,7 @@
             <a:fld id="{23A271A1-F6D6-438B-A432-4747EE7ECD40}" type="datetimeFigureOut">
               <a:rPr lang="en-US" smtClean="0"/>
               <a:pPr eaLnBrk="1" latinLnBrk="0" hangingPunct="1"/>
-              <a:t>2/17/22</a:t>
+              <a:t>10/6/23</a:t>
             </a:fld>
             <a:endParaRPr lang="en-US"/>
           </a:p>
@@ -3592,7 +3592,7 @@
             <a:fld id="{23A271A1-F6D6-438B-A432-4747EE7ECD40}" type="datetimeFigureOut">
               <a:rPr lang="en-US" smtClean="0"/>
               <a:pPr eaLnBrk="1" latinLnBrk="0" hangingPunct="1"/>
-              <a:t>2/17/22</a:t>
+              <a:t>10/6/23</a:t>
             </a:fld>
             <a:endParaRPr lang="en-US"/>
           </a:p>
@@ -3697,7 +3697,7 @@
             <a:fld id="{23A271A1-F6D6-438B-A432-4747EE7ECD40}" type="datetimeFigureOut">
               <a:rPr lang="en-US" smtClean="0"/>
               <a:pPr eaLnBrk="1" latinLnBrk="0" hangingPunct="1"/>
-              <a:t>2/17/22</a:t>
+              <a:t>10/6/23</a:t>
             </a:fld>
             <a:endParaRPr lang="en-US"/>
           </a:p>
@@ -3839,7 +3839,7 @@
             <a:fld id="{23A271A1-F6D6-438B-A432-4747EE7ECD40}" type="datetimeFigureOut">
               <a:rPr lang="en-US" smtClean="0"/>
               <a:pPr eaLnBrk="1" latinLnBrk="0" hangingPunct="1"/>
-              <a:t>2/17/22</a:t>
+              <a:t>10/6/23</a:t>
             </a:fld>
             <a:endParaRPr lang="en-US"/>
           </a:p>
@@ -4363,7 +4363,7 @@
             <a:fld id="{23A271A1-F6D6-438B-A432-4747EE7ECD40}" type="datetimeFigureOut">
               <a:rPr lang="en-US" smtClean="0"/>
               <a:pPr eaLnBrk="1" latinLnBrk="0" hangingPunct="1"/>
-              <a:t>2/17/22</a:t>
+              <a:t>10/6/23</a:t>
             </a:fld>
             <a:endParaRPr lang="en-US"/>
           </a:p>
@@ -4626,7 +4626,7 @@
             <a:fld id="{23A271A1-F6D6-438B-A432-4747EE7ECD40}" type="datetimeFigureOut">
               <a:rPr lang="en-US" smtClean="0"/>
               <a:pPr eaLnBrk="1" latinLnBrk="0" hangingPunct="1"/>
-              <a:t>2/17/22</a:t>
+              <a:t>10/6/23</a:t>
             </a:fld>
             <a:endParaRPr lang="en-US" sz="1400" dirty="0">
               <a:solidFill>
@@ -5733,12 +5733,12 @@
           <a:graphicData uri="http://schemas.openxmlformats.org/presentationml/2006/ole">
             <mc:AlternateContent xmlns:mc="http://schemas.openxmlformats.org/markup-compatibility/2006">
               <mc:Choice xmlns:v="urn:schemas-microsoft-com:vml" Requires="v">
-                <p:oleObj spid="_x0000_s126063" name="Equation" r:id="rId4" imgW="1333500" imgH="457200" progId="Equation.3">
+                <p:oleObj name="Equation" r:id="rId3" imgW="1333500" imgH="457200" progId="Equation.3">
                   <p:embed/>
                 </p:oleObj>
               </mc:Choice>
               <mc:Fallback>
-                <p:oleObj name="Equation" r:id="rId4" imgW="1333500" imgH="457200" progId="Equation.3">
+                <p:oleObj name="Equation" r:id="rId3" imgW="1333500" imgH="457200" progId="Equation.3">
                   <p:embed/>
                   <p:pic>
                     <p:nvPicPr>
@@ -5747,7 +5747,7 @@
                       <p:nvPr/>
                     </p:nvPicPr>
                     <p:blipFill>
-                      <a:blip r:embed="rId5"/>
+                      <a:blip r:embed="rId4"/>
                       <a:stretch>
                         <a:fillRect/>
                       </a:stretch>
@@ -5790,12 +5790,12 @@
           <a:graphicData uri="http://schemas.openxmlformats.org/presentationml/2006/ole">
             <mc:AlternateContent xmlns:mc="http://schemas.openxmlformats.org/markup-compatibility/2006">
               <mc:Choice xmlns:v="urn:schemas-microsoft-com:vml" Requires="v">
-                <p:oleObj spid="_x0000_s126064" name="Equation" r:id="rId6" imgW="1917700" imgH="457200" progId="Equation.3">
+                <p:oleObj name="Equation" r:id="rId5" imgW="1917700" imgH="457200" progId="Equation.3">
                   <p:embed/>
                 </p:oleObj>
               </mc:Choice>
               <mc:Fallback>
-                <p:oleObj name="Equation" r:id="rId6" imgW="1917700" imgH="457200" progId="Equation.3">
+                <p:oleObj name="Equation" r:id="rId5" imgW="1917700" imgH="457200" progId="Equation.3">
                   <p:embed/>
                   <p:pic>
                     <p:nvPicPr>
@@ -5804,7 +5804,7 @@
                       <p:nvPr/>
                     </p:nvPicPr>
                     <p:blipFill>
-                      <a:blip r:embed="rId7"/>
+                      <a:blip r:embed="rId6"/>
                       <a:stretch>
                         <a:fillRect/>
                       </a:stretch>
@@ -5880,12 +5880,12 @@
           <a:graphicData uri="http://schemas.openxmlformats.org/presentationml/2006/ole">
             <mc:AlternateContent xmlns:mc="http://schemas.openxmlformats.org/markup-compatibility/2006">
               <mc:Choice xmlns:v="urn:schemas-microsoft-com:vml" Requires="v">
-                <p:oleObj spid="_x0000_s126065" name="Equation" r:id="rId8" imgW="1041400" imgH="330200" progId="Equation.3">
+                <p:oleObj name="Equation" r:id="rId7" imgW="1041400" imgH="330200" progId="Equation.3">
                   <p:embed/>
                 </p:oleObj>
               </mc:Choice>
               <mc:Fallback>
-                <p:oleObj name="Equation" r:id="rId8" imgW="1041400" imgH="330200" progId="Equation.3">
+                <p:oleObj name="Equation" r:id="rId7" imgW="1041400" imgH="330200" progId="Equation.3">
                   <p:embed/>
                   <p:pic>
                     <p:nvPicPr>
@@ -5894,7 +5894,7 @@
                       <p:nvPr/>
                     </p:nvPicPr>
                     <p:blipFill>
-                      <a:blip r:embed="rId9"/>
+                      <a:blip r:embed="rId8"/>
                       <a:stretch>
                         <a:fillRect/>
                       </a:stretch>
@@ -6070,12 +6070,12 @@
           <a:graphicData uri="http://schemas.openxmlformats.org/presentationml/2006/ole">
             <mc:AlternateContent xmlns:mc="http://schemas.openxmlformats.org/markup-compatibility/2006">
               <mc:Choice xmlns:v="urn:schemas-microsoft-com:vml" Requires="v">
-                <p:oleObj spid="_x0000_s127087" name="Equation" r:id="rId4" imgW="1333500" imgH="457200" progId="Equation.3">
+                <p:oleObj name="Equation" r:id="rId3" imgW="1333500" imgH="457200" progId="Equation.3">
                   <p:embed/>
                 </p:oleObj>
               </mc:Choice>
               <mc:Fallback>
-                <p:oleObj name="Equation" r:id="rId4" imgW="1333500" imgH="457200" progId="Equation.3">
+                <p:oleObj name="Equation" r:id="rId3" imgW="1333500" imgH="457200" progId="Equation.3">
                   <p:embed/>
                   <p:pic>
                     <p:nvPicPr>
@@ -6084,7 +6084,7 @@
                       <p:nvPr/>
                     </p:nvPicPr>
                     <p:blipFill>
-                      <a:blip r:embed="rId5"/>
+                      <a:blip r:embed="rId4"/>
                       <a:stretch>
                         <a:fillRect/>
                       </a:stretch>
@@ -6127,12 +6127,12 @@
           <a:graphicData uri="http://schemas.openxmlformats.org/presentationml/2006/ole">
             <mc:AlternateContent xmlns:mc="http://schemas.openxmlformats.org/markup-compatibility/2006">
               <mc:Choice xmlns:v="urn:schemas-microsoft-com:vml" Requires="v">
-                <p:oleObj spid="_x0000_s127088" name="Equation" r:id="rId6" imgW="1930400" imgH="457200" progId="Equation.3">
+                <p:oleObj name="Equation" r:id="rId5" imgW="1930400" imgH="457200" progId="Equation.3">
                   <p:embed/>
                 </p:oleObj>
               </mc:Choice>
               <mc:Fallback>
-                <p:oleObj name="Equation" r:id="rId6" imgW="1930400" imgH="457200" progId="Equation.3">
+                <p:oleObj name="Equation" r:id="rId5" imgW="1930400" imgH="457200" progId="Equation.3">
                   <p:embed/>
                   <p:pic>
                     <p:nvPicPr>
@@ -6141,7 +6141,7 @@
                       <p:nvPr/>
                     </p:nvPicPr>
                     <p:blipFill>
-                      <a:blip r:embed="rId7"/>
+                      <a:blip r:embed="rId6"/>
                       <a:stretch>
                         <a:fillRect/>
                       </a:stretch>
@@ -6258,12 +6258,12 @@
           <a:graphicData uri="http://schemas.openxmlformats.org/presentationml/2006/ole">
             <mc:AlternateContent xmlns:mc="http://schemas.openxmlformats.org/markup-compatibility/2006">
               <mc:Choice xmlns:v="urn:schemas-microsoft-com:vml" Requires="v">
-                <p:oleObj spid="_x0000_s127089" name="Equation" r:id="rId8" imgW="1041400" imgH="330200" progId="Equation.3">
+                <p:oleObj name="Equation" r:id="rId7" imgW="1041400" imgH="330200" progId="Equation.3">
                   <p:embed/>
                 </p:oleObj>
               </mc:Choice>
               <mc:Fallback>
-                <p:oleObj name="Equation" r:id="rId8" imgW="1041400" imgH="330200" progId="Equation.3">
+                <p:oleObj name="Equation" r:id="rId7" imgW="1041400" imgH="330200" progId="Equation.3">
                   <p:embed/>
                   <p:pic>
                     <p:nvPicPr>
@@ -6272,7 +6272,7 @@
                       <p:nvPr/>
                     </p:nvPicPr>
                     <p:blipFill>
-                      <a:blip r:embed="rId9"/>
+                      <a:blip r:embed="rId8"/>
                       <a:stretch>
                         <a:fillRect/>
                       </a:stretch>
@@ -6367,12 +6367,12 @@
           <a:graphicData uri="http://schemas.openxmlformats.org/presentationml/2006/ole">
             <mc:AlternateContent xmlns:mc="http://schemas.openxmlformats.org/markup-compatibility/2006">
               <mc:Choice xmlns:v="urn:schemas-microsoft-com:vml" Requires="v">
-                <p:oleObj spid="_x0000_s134261" name="Equation" r:id="rId3" imgW="1155700" imgH="241300" progId="Equation.3">
+                <p:oleObj name="Equation" r:id="rId2" imgW="1155700" imgH="241300" progId="Equation.3">
                   <p:embed/>
                 </p:oleObj>
               </mc:Choice>
               <mc:Fallback>
-                <p:oleObj name="Equation" r:id="rId3" imgW="1155700" imgH="241300" progId="Equation.3">
+                <p:oleObj name="Equation" r:id="rId2" imgW="1155700" imgH="241300" progId="Equation.3">
                   <p:embed/>
                   <p:pic>
                     <p:nvPicPr>
@@ -6381,7 +6381,7 @@
                       <p:nvPr/>
                     </p:nvPicPr>
                     <p:blipFill>
-                      <a:blip r:embed="rId4"/>
+                      <a:blip r:embed="rId3"/>
                       <a:stretch>
                         <a:fillRect/>
                       </a:stretch>
@@ -6482,12 +6482,12 @@
           <a:graphicData uri="http://schemas.openxmlformats.org/presentationml/2006/ole">
             <mc:AlternateContent xmlns:mc="http://schemas.openxmlformats.org/markup-compatibility/2006">
               <mc:Choice xmlns:v="urn:schemas-microsoft-com:vml" Requires="v">
-                <p:oleObj spid="_x0000_s134262" name="Equation" r:id="rId5" imgW="1422400" imgH="203200" progId="Equation.3">
+                <p:oleObj name="Equation" r:id="rId4" imgW="1422400" imgH="203200" progId="Equation.3">
                   <p:embed/>
                 </p:oleObj>
               </mc:Choice>
               <mc:Fallback>
-                <p:oleObj name="Equation" r:id="rId5" imgW="1422400" imgH="203200" progId="Equation.3">
+                <p:oleObj name="Equation" r:id="rId4" imgW="1422400" imgH="203200" progId="Equation.3">
                   <p:embed/>
                   <p:pic>
                     <p:nvPicPr>
@@ -6496,7 +6496,7 @@
                       <p:nvPr/>
                     </p:nvPicPr>
                     <p:blipFill>
-                      <a:blip r:embed="rId6"/>
+                      <a:blip r:embed="rId5"/>
                       <a:stretch>
                         <a:fillRect/>
                       </a:stretch>
@@ -6568,12 +6568,12 @@
           <a:graphicData uri="http://schemas.openxmlformats.org/presentationml/2006/ole">
             <mc:AlternateContent xmlns:mc="http://schemas.openxmlformats.org/markup-compatibility/2006">
               <mc:Choice xmlns:v="urn:schemas-microsoft-com:vml" Requires="v">
-                <p:oleObj spid="_x0000_s134263" name="Equation" r:id="rId7" imgW="1155700" imgH="203200" progId="Equation.3">
+                <p:oleObj name="Equation" r:id="rId6" imgW="1155700" imgH="203200" progId="Equation.3">
                   <p:embed/>
                 </p:oleObj>
               </mc:Choice>
               <mc:Fallback>
-                <p:oleObj name="Equation" r:id="rId7" imgW="1155700" imgH="203200" progId="Equation.3">
+                <p:oleObj name="Equation" r:id="rId6" imgW="1155700" imgH="203200" progId="Equation.3">
                   <p:embed/>
                   <p:pic>
                     <p:nvPicPr>
@@ -6582,7 +6582,7 @@
                       <p:nvPr/>
                     </p:nvPicPr>
                     <p:blipFill>
-                      <a:blip r:embed="rId8"/>
+                      <a:blip r:embed="rId7"/>
                       <a:stretch>
                         <a:fillRect/>
                       </a:stretch>
@@ -6654,12 +6654,12 @@
           <a:graphicData uri="http://schemas.openxmlformats.org/presentationml/2006/ole">
             <mc:AlternateContent xmlns:mc="http://schemas.openxmlformats.org/markup-compatibility/2006">
               <mc:Choice xmlns:v="urn:schemas-microsoft-com:vml" Requires="v">
-                <p:oleObj spid="_x0000_s134264" name="Equation" r:id="rId9" imgW="1054100" imgH="228600" progId="Equation.3">
+                <p:oleObj name="Equation" r:id="rId8" imgW="1054100" imgH="228600" progId="Equation.3">
                   <p:embed/>
                 </p:oleObj>
               </mc:Choice>
               <mc:Fallback>
-                <p:oleObj name="Equation" r:id="rId9" imgW="1054100" imgH="228600" progId="Equation.3">
+                <p:oleObj name="Equation" r:id="rId8" imgW="1054100" imgH="228600" progId="Equation.3">
                   <p:embed/>
                   <p:pic>
                     <p:nvPicPr>
@@ -6668,7 +6668,7 @@
                       <p:nvPr/>
                     </p:nvPicPr>
                     <p:blipFill>
-                      <a:blip r:embed="rId10"/>
+                      <a:blip r:embed="rId9"/>
                       <a:stretch>
                         <a:fillRect/>
                       </a:stretch>
@@ -6956,12 +6956,12 @@
           <a:graphicData uri="http://schemas.openxmlformats.org/presentationml/2006/ole">
             <mc:AlternateContent xmlns:mc="http://schemas.openxmlformats.org/markup-compatibility/2006">
               <mc:Choice xmlns:v="urn:schemas-microsoft-com:vml" Requires="v">
-                <p:oleObj spid="_x0000_s128040" name="Equation" r:id="rId3" imgW="1447800" imgH="444500" progId="Equation.3">
+                <p:oleObj name="Equation" r:id="rId2" imgW="1447800" imgH="444500" progId="Equation.3">
                   <p:embed/>
                 </p:oleObj>
               </mc:Choice>
               <mc:Fallback>
-                <p:oleObj name="Equation" r:id="rId3" imgW="1447800" imgH="444500" progId="Equation.3">
+                <p:oleObj name="Equation" r:id="rId2" imgW="1447800" imgH="444500" progId="Equation.3">
                   <p:embed/>
                   <p:pic>
                     <p:nvPicPr>
@@ -6972,7 +6972,7 @@
                       <p:nvPr/>
                     </p:nvPicPr>
                     <p:blipFill>
-                      <a:blip r:embed="rId4"/>
+                      <a:blip r:embed="rId3"/>
                       <a:srcRect/>
                       <a:stretch>
                         <a:fillRect/>
@@ -6989,7 +6989,7 @@
                       <a:noFill/>
                       <a:extLst>
                         <a:ext uri="{909E8E84-426E-40dd-AFC4-6F175D3DCCD1}">
-                          <a14:hiddenFill xmlns:a14="http://schemas.microsoft.com/office/drawing/2010/main" xmlns="">
+                          <a14:hiddenFill xmlns="" xmlns:a14="http://schemas.microsoft.com/office/drawing/2010/main">
                             <a:solidFill>
                               <a:srgbClr val="FFFFFF"/>
                             </a:solidFill>
@@ -7272,12 +7272,12 @@
           <a:graphicData uri="http://schemas.openxmlformats.org/presentationml/2006/ole">
             <mc:AlternateContent xmlns:mc="http://schemas.openxmlformats.org/markup-compatibility/2006">
               <mc:Choice xmlns:v="urn:schemas-microsoft-com:vml" Requires="v">
-                <p:oleObj spid="_x0000_s1157" name="Equation" r:id="rId3" imgW="1600200" imgH="330200" progId="Equation.3">
+                <p:oleObj name="Equation" r:id="rId2" imgW="1600200" imgH="330200" progId="Equation.3">
                   <p:embed/>
                 </p:oleObj>
               </mc:Choice>
               <mc:Fallback>
-                <p:oleObj name="Equation" r:id="rId3" imgW="1600200" imgH="330200" progId="Equation.3">
+                <p:oleObj name="Equation" r:id="rId2" imgW="1600200" imgH="330200" progId="Equation.3">
                   <p:embed/>
                   <p:pic>
                     <p:nvPicPr>
@@ -7286,7 +7286,7 @@
                       <p:nvPr/>
                     </p:nvPicPr>
                     <p:blipFill>
-                      <a:blip r:embed="rId4"/>
+                      <a:blip r:embed="rId3"/>
                       <a:stretch>
                         <a:fillRect/>
                       </a:stretch>
@@ -7329,12 +7329,12 @@
           <a:graphicData uri="http://schemas.openxmlformats.org/presentationml/2006/ole">
             <mc:AlternateContent xmlns:mc="http://schemas.openxmlformats.org/markup-compatibility/2006">
               <mc:Choice xmlns:v="urn:schemas-microsoft-com:vml" Requires="v">
-                <p:oleObj spid="_x0000_s1158" name="Equation" r:id="rId5" imgW="2095500" imgH="228600" progId="Equation.3">
+                <p:oleObj name="Equation" r:id="rId4" imgW="2095500" imgH="228600" progId="Equation.3">
                   <p:embed/>
                 </p:oleObj>
               </mc:Choice>
               <mc:Fallback>
-                <p:oleObj name="Equation" r:id="rId5" imgW="2095500" imgH="228600" progId="Equation.3">
+                <p:oleObj name="Equation" r:id="rId4" imgW="2095500" imgH="228600" progId="Equation.3">
                   <p:embed/>
                   <p:pic>
                     <p:nvPicPr>
@@ -7345,7 +7345,7 @@
                       <p:nvPr/>
                     </p:nvPicPr>
                     <p:blipFill>
-                      <a:blip r:embed="rId6"/>
+                      <a:blip r:embed="rId5"/>
                       <a:srcRect/>
                       <a:stretch>
                         <a:fillRect/>
@@ -7362,7 +7362,7 @@
                       <a:noFill/>
                       <a:extLst>
                         <a:ext uri="{909E8E84-426E-40dd-AFC4-6F175D3DCCD1}">
-                          <a14:hiddenFill xmlns:a14="http://schemas.microsoft.com/office/drawing/2010/main" xmlns="">
+                          <a14:hiddenFill xmlns="" xmlns:a14="http://schemas.microsoft.com/office/drawing/2010/main">
                             <a:solidFill>
                               <a:srgbClr val="FFFFFF"/>
                             </a:solidFill>
@@ -7430,12 +7430,12 @@
           <a:graphicData uri="http://schemas.openxmlformats.org/presentationml/2006/ole">
             <mc:AlternateContent xmlns:mc="http://schemas.openxmlformats.org/markup-compatibility/2006">
               <mc:Choice xmlns:v="urn:schemas-microsoft-com:vml" Requires="v">
-                <p:oleObj spid="_x0000_s1159" name="Equation" r:id="rId7" imgW="939800" imgH="228600" progId="Equation.3">
+                <p:oleObj name="Equation" r:id="rId6" imgW="939800" imgH="228600" progId="Equation.3">
                   <p:embed/>
                 </p:oleObj>
               </mc:Choice>
               <mc:Fallback>
-                <p:oleObj name="Equation" r:id="rId7" imgW="939800" imgH="228600" progId="Equation.3">
+                <p:oleObj name="Equation" r:id="rId6" imgW="939800" imgH="228600" progId="Equation.3">
                   <p:embed/>
                   <p:pic>
                     <p:nvPicPr>
@@ -7446,7 +7446,7 @@
                       <p:nvPr/>
                     </p:nvPicPr>
                     <p:blipFill>
-                      <a:blip r:embed="rId8"/>
+                      <a:blip r:embed="rId7"/>
                       <a:srcRect/>
                       <a:stretch>
                         <a:fillRect/>
@@ -7463,7 +7463,7 @@
                       <a:noFill/>
                       <a:extLst>
                         <a:ext uri="{909E8E84-426E-40dd-AFC4-6F175D3DCCD1}">
-                          <a14:hiddenFill xmlns:a14="http://schemas.microsoft.com/office/drawing/2010/main" xmlns="">
+                          <a14:hiddenFill xmlns="" xmlns:a14="http://schemas.microsoft.com/office/drawing/2010/main">
                             <a:solidFill>
                               <a:srgbClr val="FFFFFF"/>
                             </a:solidFill>
@@ -7558,12 +7558,12 @@
           <a:graphicData uri="http://schemas.openxmlformats.org/presentationml/2006/ole">
             <mc:AlternateContent xmlns:mc="http://schemas.openxmlformats.org/markup-compatibility/2006">
               <mc:Choice xmlns:v="urn:schemas-microsoft-com:vml" Requires="v">
-                <p:oleObj spid="_x0000_s1160" name="Equation" r:id="rId9" imgW="1485900" imgH="215900" progId="Equation.3">
+                <p:oleObj name="Equation" r:id="rId8" imgW="1485900" imgH="215900" progId="Equation.3">
                   <p:embed/>
                 </p:oleObj>
               </mc:Choice>
               <mc:Fallback>
-                <p:oleObj name="Equation" r:id="rId9" imgW="1485900" imgH="215900" progId="Equation.3">
+                <p:oleObj name="Equation" r:id="rId8" imgW="1485900" imgH="215900" progId="Equation.3">
                   <p:embed/>
                   <p:pic>
                     <p:nvPicPr>
@@ -7574,7 +7574,7 @@
                       <p:nvPr/>
                     </p:nvPicPr>
                     <p:blipFill>
-                      <a:blip r:embed="rId10"/>
+                      <a:blip r:embed="rId9"/>
                       <a:srcRect/>
                       <a:stretch>
                         <a:fillRect/>
@@ -7591,7 +7591,7 @@
                       <a:noFill/>
                       <a:extLst>
                         <a:ext uri="{909E8E84-426E-40dd-AFC4-6F175D3DCCD1}">
-                          <a14:hiddenFill xmlns:a14="http://schemas.microsoft.com/office/drawing/2010/main" xmlns="">
+                          <a14:hiddenFill xmlns="" xmlns:a14="http://schemas.microsoft.com/office/drawing/2010/main">
                             <a:solidFill>
                               <a:srgbClr val="FFFFFF"/>
                             </a:solidFill>
@@ -7756,12 +7756,12 @@
           <a:graphicData uri="http://schemas.openxmlformats.org/presentationml/2006/ole">
             <mc:AlternateContent xmlns:mc="http://schemas.openxmlformats.org/markup-compatibility/2006">
               <mc:Choice xmlns:v="urn:schemas-microsoft-com:vml" Requires="v">
-                <p:oleObj spid="_x0000_s130087" name="Equation" r:id="rId3" imgW="1485900" imgH="215900" progId="Equation.3">
+                <p:oleObj name="Equation" r:id="rId2" imgW="1485900" imgH="215900" progId="Equation.3">
                   <p:embed/>
                 </p:oleObj>
               </mc:Choice>
               <mc:Fallback>
-                <p:oleObj name="Equation" r:id="rId3" imgW="1485900" imgH="215900" progId="Equation.3">
+                <p:oleObj name="Equation" r:id="rId2" imgW="1485900" imgH="215900" progId="Equation.3">
                   <p:embed/>
                   <p:pic>
                     <p:nvPicPr>
@@ -7772,7 +7772,7 @@
                       <p:nvPr/>
                     </p:nvPicPr>
                     <p:blipFill>
-                      <a:blip r:embed="rId4"/>
+                      <a:blip r:embed="rId3"/>
                       <a:srcRect/>
                       <a:stretch>
                         <a:fillRect/>
@@ -7789,7 +7789,7 @@
                       <a:noFill/>
                       <a:extLst>
                         <a:ext uri="{909E8E84-426E-40dd-AFC4-6F175D3DCCD1}">
-                          <a14:hiddenFill xmlns:a14="http://schemas.microsoft.com/office/drawing/2010/main" xmlns="">
+                          <a14:hiddenFill xmlns="" xmlns:a14="http://schemas.microsoft.com/office/drawing/2010/main">
                             <a:solidFill>
                               <a:srgbClr val="FFFFFF"/>
                             </a:solidFill>
@@ -8260,12 +8260,12 @@
           <a:graphicData uri="http://schemas.openxmlformats.org/presentationml/2006/ole">
             <mc:AlternateContent xmlns:mc="http://schemas.openxmlformats.org/markup-compatibility/2006">
               <mc:Choice xmlns:v="urn:schemas-microsoft-com:vml" Requires="v">
-                <p:oleObj spid="_x0000_s131111" name="Equation" r:id="rId3" imgW="1485900" imgH="215900" progId="Equation.3">
+                <p:oleObj name="Equation" r:id="rId2" imgW="1485900" imgH="215900" progId="Equation.3">
                   <p:embed/>
                 </p:oleObj>
               </mc:Choice>
               <mc:Fallback>
-                <p:oleObj name="Equation" r:id="rId3" imgW="1485900" imgH="215900" progId="Equation.3">
+                <p:oleObj name="Equation" r:id="rId2" imgW="1485900" imgH="215900" progId="Equation.3">
                   <p:embed/>
                   <p:pic>
                     <p:nvPicPr>
@@ -8276,7 +8276,7 @@
                       <p:nvPr/>
                     </p:nvPicPr>
                     <p:blipFill>
-                      <a:blip r:embed="rId4"/>
+                      <a:blip r:embed="rId3"/>
                       <a:srcRect/>
                       <a:stretch>
                         <a:fillRect/>
@@ -8293,7 +8293,7 @@
                       <a:noFill/>
                       <a:extLst>
                         <a:ext uri="{909E8E84-426E-40dd-AFC4-6F175D3DCCD1}">
-                          <a14:hiddenFill xmlns:a14="http://schemas.microsoft.com/office/drawing/2010/main" xmlns="">
+                          <a14:hiddenFill xmlns="" xmlns:a14="http://schemas.microsoft.com/office/drawing/2010/main">
                             <a:solidFill>
                               <a:srgbClr val="FFFFFF"/>
                             </a:solidFill>
@@ -8545,7 +8545,7 @@
           <p:nvPr/>
         </p:nvPicPr>
         <p:blipFill rotWithShape="1">
-          <a:blip r:embed="rId5"/>
+          <a:blip r:embed="rId4"/>
           <a:srcRect l="12482" t="12716" r="15913" b="10577"/>
           <a:stretch/>
         </p:blipFill>
@@ -9342,12 +9342,12 @@
           <a:graphicData uri="http://schemas.openxmlformats.org/presentationml/2006/ole">
             <mc:AlternateContent xmlns:mc="http://schemas.openxmlformats.org/markup-compatibility/2006">
               <mc:Choice xmlns:v="urn:schemas-microsoft-com:vml" Requires="v">
-                <p:oleObj spid="_x0000_s98351" name="Equation" r:id="rId3" imgW="1930400" imgH="457200" progId="Equation.3">
+                <p:oleObj name="Equation" r:id="rId2" imgW="1930400" imgH="457200" progId="Equation.3">
                   <p:embed/>
                 </p:oleObj>
               </mc:Choice>
               <mc:Fallback>
-                <p:oleObj name="Equation" r:id="rId3" imgW="1930400" imgH="457200" progId="Equation.3">
+                <p:oleObj name="Equation" r:id="rId2" imgW="1930400" imgH="457200" progId="Equation.3">
                   <p:embed/>
                   <p:pic>
                     <p:nvPicPr>
@@ -9356,7 +9356,7 @@
                       <p:nvPr/>
                     </p:nvPicPr>
                     <p:blipFill>
-                      <a:blip r:embed="rId4"/>
+                      <a:blip r:embed="rId3"/>
                       <a:stretch>
                         <a:fillRect/>
                       </a:stretch>
@@ -9776,12 +9776,12 @@
           <a:graphicData uri="http://schemas.openxmlformats.org/presentationml/2006/ole">
             <mc:AlternateContent xmlns:mc="http://schemas.openxmlformats.org/markup-compatibility/2006">
               <mc:Choice xmlns:v="urn:schemas-microsoft-com:vml" Requires="v">
-                <p:oleObj spid="_x0000_s99376" name="Equation" r:id="rId3" imgW="2616200" imgH="457200" progId="Equation.3">
+                <p:oleObj name="Equation" r:id="rId2" imgW="2616200" imgH="457200" progId="Equation.3">
                   <p:embed/>
                 </p:oleObj>
               </mc:Choice>
               <mc:Fallback>
-                <p:oleObj name="Equation" r:id="rId3" imgW="2616200" imgH="457200" progId="Equation.3">
+                <p:oleObj name="Equation" r:id="rId2" imgW="2616200" imgH="457200" progId="Equation.3">
                   <p:embed/>
                   <p:pic>
                     <p:nvPicPr>
@@ -9790,7 +9790,7 @@
                       <p:nvPr/>
                     </p:nvPicPr>
                     <p:blipFill>
-                      <a:blip r:embed="rId4"/>
+                      <a:blip r:embed="rId3"/>
                       <a:stretch>
                         <a:fillRect/>
                       </a:stretch>
@@ -9886,12 +9886,12 @@
           <a:graphicData uri="http://schemas.openxmlformats.org/presentationml/2006/ole">
             <mc:AlternateContent xmlns:mc="http://schemas.openxmlformats.org/markup-compatibility/2006">
               <mc:Choice xmlns:v="urn:schemas-microsoft-com:vml" Requires="v">
-                <p:oleObj spid="_x0000_s100399" name="Equation" r:id="rId3" imgW="1041400" imgH="330200" progId="Equation.3">
+                <p:oleObj name="Equation" r:id="rId2" imgW="1041400" imgH="330200" progId="Equation.3">
                   <p:embed/>
                 </p:oleObj>
               </mc:Choice>
               <mc:Fallback>
-                <p:oleObj name="Equation" r:id="rId3" imgW="1041400" imgH="330200" progId="Equation.3">
+                <p:oleObj name="Equation" r:id="rId2" imgW="1041400" imgH="330200" progId="Equation.3">
                   <p:embed/>
                   <p:pic>
                     <p:nvPicPr>
@@ -9900,7 +9900,7 @@
                       <p:nvPr/>
                     </p:nvPicPr>
                     <p:blipFill>
-                      <a:blip r:embed="rId4"/>
+                      <a:blip r:embed="rId3"/>
                       <a:stretch>
                         <a:fillRect/>
                       </a:stretch>
@@ -10147,12 +10147,12 @@
           <a:graphicData uri="http://schemas.openxmlformats.org/presentationml/2006/ole">
             <mc:AlternateContent xmlns:mc="http://schemas.openxmlformats.org/markup-compatibility/2006">
               <mc:Choice xmlns:v="urn:schemas-microsoft-com:vml" Requires="v">
-                <p:oleObj spid="_x0000_s101424" name="Equation" r:id="rId3" imgW="1041400" imgH="330200" progId="Equation.3">
+                <p:oleObj name="Equation" r:id="rId2" imgW="1041400" imgH="330200" progId="Equation.3">
                   <p:embed/>
                 </p:oleObj>
               </mc:Choice>
               <mc:Fallback>
-                <p:oleObj name="Equation" r:id="rId3" imgW="1041400" imgH="330200" progId="Equation.3">
+                <p:oleObj name="Equation" r:id="rId2" imgW="1041400" imgH="330200" progId="Equation.3">
                   <p:embed/>
                   <p:pic>
                     <p:nvPicPr>
@@ -10161,7 +10161,7 @@
                       <p:nvPr/>
                     </p:nvPicPr>
                     <p:blipFill>
-                      <a:blip r:embed="rId4"/>
+                      <a:blip r:embed="rId3"/>
                       <a:stretch>
                         <a:fillRect/>
                       </a:stretch>
@@ -10290,12 +10290,12 @@
           <a:graphicData uri="http://schemas.openxmlformats.org/presentationml/2006/ole">
             <mc:AlternateContent xmlns:mc="http://schemas.openxmlformats.org/markup-compatibility/2006">
               <mc:Choice xmlns:v="urn:schemas-microsoft-com:vml" Requires="v">
-                <p:oleObj spid="_x0000_s102490" name="Equation" r:id="rId3" imgW="2616200" imgH="457200" progId="Equation.3">
+                <p:oleObj name="Equation" r:id="rId2" imgW="2616200" imgH="457200" progId="Equation.3">
                   <p:embed/>
                 </p:oleObj>
               </mc:Choice>
               <mc:Fallback>
-                <p:oleObj name="Equation" r:id="rId3" imgW="2616200" imgH="457200" progId="Equation.3">
+                <p:oleObj name="Equation" r:id="rId2" imgW="2616200" imgH="457200" progId="Equation.3">
                   <p:embed/>
                   <p:pic>
                     <p:nvPicPr>
@@ -10304,7 +10304,7 @@
                       <p:nvPr/>
                     </p:nvPicPr>
                     <p:blipFill>
-                      <a:blip r:embed="rId4"/>
+                      <a:blip r:embed="rId3"/>
                       <a:stretch>
                         <a:fillRect/>
                       </a:stretch>
@@ -10394,12 +10394,12 @@
           <a:graphicData uri="http://schemas.openxmlformats.org/presentationml/2006/ole">
             <mc:AlternateContent xmlns:mc="http://schemas.openxmlformats.org/markup-compatibility/2006">
               <mc:Choice xmlns:v="urn:schemas-microsoft-com:vml" Requires="v">
-                <p:oleObj spid="_x0000_s102491" name="Equation" r:id="rId5" imgW="1041400" imgH="330200" progId="Equation.3">
+                <p:oleObj name="Equation" r:id="rId4" imgW="1041400" imgH="330200" progId="Equation.3">
                   <p:embed/>
                 </p:oleObj>
               </mc:Choice>
               <mc:Fallback>
-                <p:oleObj name="Equation" r:id="rId5" imgW="1041400" imgH="330200" progId="Equation.3">
+                <p:oleObj name="Equation" r:id="rId4" imgW="1041400" imgH="330200" progId="Equation.3">
                   <p:embed/>
                   <p:pic>
                     <p:nvPicPr>
@@ -10408,7 +10408,7 @@
                       <p:nvPr/>
                     </p:nvPicPr>
                     <p:blipFill>
-                      <a:blip r:embed="rId6"/>
+                      <a:blip r:embed="rId5"/>
                       <a:stretch>
                         <a:fillRect/>
                       </a:stretch>
@@ -10541,12 +10541,12 @@
           <a:graphicData uri="http://schemas.openxmlformats.org/presentationml/2006/ole">
             <mc:AlternateContent xmlns:mc="http://schemas.openxmlformats.org/markup-compatibility/2006">
               <mc:Choice xmlns:v="urn:schemas-microsoft-com:vml" Requires="v">
-                <p:oleObj spid="_x0000_s103514" name="Equation" r:id="rId3" imgW="965200" imgH="406400" progId="Equation.3">
+                <p:oleObj name="Equation" r:id="rId2" imgW="965200" imgH="406400" progId="Equation.3">
                   <p:embed/>
                 </p:oleObj>
               </mc:Choice>
               <mc:Fallback>
-                <p:oleObj name="Equation" r:id="rId3" imgW="965200" imgH="406400" progId="Equation.3">
+                <p:oleObj name="Equation" r:id="rId2" imgW="965200" imgH="406400" progId="Equation.3">
                   <p:embed/>
                   <p:pic>
                     <p:nvPicPr>
@@ -10555,7 +10555,7 @@
                       <p:nvPr/>
                     </p:nvPicPr>
                     <p:blipFill>
-                      <a:blip r:embed="rId4"/>
+                      <a:blip r:embed="rId3"/>
                       <a:stretch>
                         <a:fillRect/>
                       </a:stretch>
@@ -10656,12 +10656,12 @@
           <a:graphicData uri="http://schemas.openxmlformats.org/presentationml/2006/ole">
             <mc:AlternateContent xmlns:mc="http://schemas.openxmlformats.org/markup-compatibility/2006">
               <mc:Choice xmlns:v="urn:schemas-microsoft-com:vml" Requires="v">
-                <p:oleObj spid="_x0000_s103515" name="Equation" r:id="rId5" imgW="1143000" imgH="469900" progId="Equation.3">
+                <p:oleObj name="Equation" r:id="rId4" imgW="1143000" imgH="469900" progId="Equation.3">
                   <p:embed/>
                 </p:oleObj>
               </mc:Choice>
               <mc:Fallback>
-                <p:oleObj name="Equation" r:id="rId5" imgW="1143000" imgH="469900" progId="Equation.3">
+                <p:oleObj name="Equation" r:id="rId4" imgW="1143000" imgH="469900" progId="Equation.3">
                   <p:embed/>
                   <p:pic>
                     <p:nvPicPr>
@@ -10670,7 +10670,7 @@
                       <p:nvPr/>
                     </p:nvPicPr>
                     <p:blipFill>
-                      <a:blip r:embed="rId6"/>
+                      <a:blip r:embed="rId5"/>
                       <a:stretch>
                         <a:fillRect/>
                       </a:stretch>
@@ -10871,12 +10871,12 @@
           <a:graphicData uri="http://schemas.openxmlformats.org/presentationml/2006/ole">
             <mc:AlternateContent xmlns:mc="http://schemas.openxmlformats.org/markup-compatibility/2006">
               <mc:Choice xmlns:v="urn:schemas-microsoft-com:vml" Requires="v">
-                <p:oleObj spid="_x0000_s104538" name="Equation" r:id="rId3" imgW="965200" imgH="406400" progId="Equation.3">
+                <p:oleObj name="Equation" r:id="rId2" imgW="965200" imgH="406400" progId="Equation.3">
                   <p:embed/>
                 </p:oleObj>
               </mc:Choice>
               <mc:Fallback>
-                <p:oleObj name="Equation" r:id="rId3" imgW="965200" imgH="406400" progId="Equation.3">
+                <p:oleObj name="Equation" r:id="rId2" imgW="965200" imgH="406400" progId="Equation.3">
                   <p:embed/>
                   <p:pic>
                     <p:nvPicPr>
@@ -10885,7 +10885,7 @@
                       <p:nvPr/>
                     </p:nvPicPr>
                     <p:blipFill>
-                      <a:blip r:embed="rId4"/>
+                      <a:blip r:embed="rId3"/>
                       <a:stretch>
                         <a:fillRect/>
                       </a:stretch>
@@ -10928,12 +10928,12 @@
           <a:graphicData uri="http://schemas.openxmlformats.org/presentationml/2006/ole">
             <mc:AlternateContent xmlns:mc="http://schemas.openxmlformats.org/markup-compatibility/2006">
               <mc:Choice xmlns:v="urn:schemas-microsoft-com:vml" Requires="v">
-                <p:oleObj spid="_x0000_s104539" name="Equation" r:id="rId5" imgW="1143000" imgH="469900" progId="Equation.3">
+                <p:oleObj name="Equation" r:id="rId4" imgW="1143000" imgH="469900" progId="Equation.3">
                   <p:embed/>
                 </p:oleObj>
               </mc:Choice>
               <mc:Fallback>
-                <p:oleObj name="Equation" r:id="rId5" imgW="1143000" imgH="469900" progId="Equation.3">
+                <p:oleObj name="Equation" r:id="rId4" imgW="1143000" imgH="469900" progId="Equation.3">
                   <p:embed/>
                   <p:pic>
                     <p:nvPicPr>
@@ -10942,7 +10942,7 @@
                       <p:nvPr/>
                     </p:nvPicPr>
                     <p:blipFill>
-                      <a:blip r:embed="rId6"/>
+                      <a:blip r:embed="rId5"/>
                       <a:stretch>
                         <a:fillRect/>
                       </a:stretch>
@@ -11132,12 +11132,12 @@
           <a:graphicData uri="http://schemas.openxmlformats.org/presentationml/2006/ole">
             <mc:AlternateContent xmlns:mc="http://schemas.openxmlformats.org/markup-compatibility/2006">
               <mc:Choice xmlns:v="urn:schemas-microsoft-com:vml" Requires="v">
-                <p:oleObj spid="_x0000_s105605" name="Equation" r:id="rId3" imgW="1549400" imgH="469900" progId="Equation.3">
+                <p:oleObj name="Equation" r:id="rId2" imgW="1549400" imgH="469900" progId="Equation.3">
                   <p:embed/>
                 </p:oleObj>
               </mc:Choice>
               <mc:Fallback>
-                <p:oleObj name="Equation" r:id="rId3" imgW="1549400" imgH="469900" progId="Equation.3">
+                <p:oleObj name="Equation" r:id="rId2" imgW="1549400" imgH="469900" progId="Equation.3">
                   <p:embed/>
                   <p:pic>
                     <p:nvPicPr>
@@ -11146,7 +11146,7 @@
                       <p:nvPr/>
                     </p:nvPicPr>
                     <p:blipFill>
-                      <a:blip r:embed="rId4"/>
+                      <a:blip r:embed="rId3"/>
                       <a:stretch>
                         <a:fillRect/>
                       </a:stretch>
@@ -11263,12 +11263,12 @@
           <a:graphicData uri="http://schemas.openxmlformats.org/presentationml/2006/ole">
             <mc:AlternateContent xmlns:mc="http://schemas.openxmlformats.org/markup-compatibility/2006">
               <mc:Choice xmlns:v="urn:schemas-microsoft-com:vml" Requires="v">
-                <p:oleObj spid="_x0000_s105606" name="Equation" r:id="rId5" imgW="965200" imgH="406400" progId="Equation.3">
+                <p:oleObj name="Equation" r:id="rId4" imgW="965200" imgH="406400" progId="Equation.3">
                   <p:embed/>
                 </p:oleObj>
               </mc:Choice>
               <mc:Fallback>
-                <p:oleObj name="Equation" r:id="rId5" imgW="965200" imgH="406400" progId="Equation.3">
+                <p:oleObj name="Equation" r:id="rId4" imgW="965200" imgH="406400" progId="Equation.3">
                   <p:embed/>
                   <p:pic>
                     <p:nvPicPr>
@@ -11277,7 +11277,7 @@
                       <p:nvPr/>
                     </p:nvPicPr>
                     <p:blipFill>
-                      <a:blip r:embed="rId6"/>
+                      <a:blip r:embed="rId5"/>
                       <a:stretch>
                         <a:fillRect/>
                       </a:stretch>
@@ -11320,12 +11320,12 @@
           <a:graphicData uri="http://schemas.openxmlformats.org/presentationml/2006/ole">
             <mc:AlternateContent xmlns:mc="http://schemas.openxmlformats.org/markup-compatibility/2006">
               <mc:Choice xmlns:v="urn:schemas-microsoft-com:vml" Requires="v">
-                <p:oleObj spid="_x0000_s105607" name="Equation" r:id="rId7" imgW="1143000" imgH="469900" progId="Equation.3">
+                <p:oleObj name="Equation" r:id="rId6" imgW="1143000" imgH="469900" progId="Equation.3">
                   <p:embed/>
                 </p:oleObj>
               </mc:Choice>
               <mc:Fallback>
-                <p:oleObj name="Equation" r:id="rId7" imgW="1143000" imgH="469900" progId="Equation.3">
+                <p:oleObj name="Equation" r:id="rId6" imgW="1143000" imgH="469900" progId="Equation.3">
                   <p:embed/>
                   <p:pic>
                     <p:nvPicPr>
@@ -11334,7 +11334,7 @@
                       <p:nvPr/>
                     </p:nvPicPr>
                     <p:blipFill>
-                      <a:blip r:embed="rId8"/>
+                      <a:blip r:embed="rId7"/>
                       <a:stretch>
                         <a:fillRect/>
                       </a:stretch>
@@ -12405,12 +12405,12 @@
           <a:graphicData uri="http://schemas.openxmlformats.org/presentationml/2006/ole">
             <mc:AlternateContent xmlns:mc="http://schemas.openxmlformats.org/markup-compatibility/2006">
               <mc:Choice xmlns:v="urn:schemas-microsoft-com:vml" Requires="v">
-                <p:oleObj spid="_x0000_s106629" name="Equation" r:id="rId4" imgW="1041400" imgH="330200" progId="Equation.3">
+                <p:oleObj name="Equation" r:id="rId3" imgW="1041400" imgH="330200" progId="Equation.3">
                   <p:embed/>
                 </p:oleObj>
               </mc:Choice>
               <mc:Fallback>
-                <p:oleObj name="Equation" r:id="rId4" imgW="1041400" imgH="330200" progId="Equation.3">
+                <p:oleObj name="Equation" r:id="rId3" imgW="1041400" imgH="330200" progId="Equation.3">
                   <p:embed/>
                   <p:pic>
                     <p:nvPicPr>
@@ -12419,7 +12419,7 @@
                       <p:nvPr/>
                     </p:nvPicPr>
                     <p:blipFill>
-                      <a:blip r:embed="rId5"/>
+                      <a:blip r:embed="rId4"/>
                       <a:stretch>
                         <a:fillRect/>
                       </a:stretch>
@@ -12462,12 +12462,12 @@
           <a:graphicData uri="http://schemas.openxmlformats.org/presentationml/2006/ole">
             <mc:AlternateContent xmlns:mc="http://schemas.openxmlformats.org/markup-compatibility/2006">
               <mc:Choice xmlns:v="urn:schemas-microsoft-com:vml" Requires="v">
-                <p:oleObj spid="_x0000_s106630" name="Equation" r:id="rId6" imgW="1854200" imgH="457200" progId="Equation.3">
+                <p:oleObj name="Equation" r:id="rId5" imgW="1854200" imgH="457200" progId="Equation.3">
                   <p:embed/>
                 </p:oleObj>
               </mc:Choice>
               <mc:Fallback>
-                <p:oleObj name="Equation" r:id="rId6" imgW="1854200" imgH="457200" progId="Equation.3">
+                <p:oleObj name="Equation" r:id="rId5" imgW="1854200" imgH="457200" progId="Equation.3">
                   <p:embed/>
                   <p:pic>
                     <p:nvPicPr>
@@ -12476,7 +12476,7 @@
                       <p:nvPr/>
                     </p:nvPicPr>
                     <p:blipFill>
-                      <a:blip r:embed="rId7"/>
+                      <a:blip r:embed="rId6"/>
                       <a:stretch>
                         <a:fillRect/>
                       </a:stretch>
@@ -12519,12 +12519,12 @@
           <a:graphicData uri="http://schemas.openxmlformats.org/presentationml/2006/ole">
             <mc:AlternateContent xmlns:mc="http://schemas.openxmlformats.org/markup-compatibility/2006">
               <mc:Choice xmlns:v="urn:schemas-microsoft-com:vml" Requires="v">
-                <p:oleObj spid="_x0000_s106631" name="Equation" r:id="rId8" imgW="2451100" imgH="457200" progId="Equation.3">
+                <p:oleObj name="Equation" r:id="rId7" imgW="2451100" imgH="457200" progId="Equation.3">
                   <p:embed/>
                 </p:oleObj>
               </mc:Choice>
               <mc:Fallback>
-                <p:oleObj name="Equation" r:id="rId8" imgW="2451100" imgH="457200" progId="Equation.3">
+                <p:oleObj name="Equation" r:id="rId7" imgW="2451100" imgH="457200" progId="Equation.3">
                   <p:embed/>
                   <p:pic>
                     <p:nvPicPr>
@@ -12533,7 +12533,7 @@
                       <p:nvPr/>
                     </p:nvPicPr>
                     <p:blipFill>
-                      <a:blip r:embed="rId9"/>
+                      <a:blip r:embed="rId8"/>
                       <a:stretch>
                         <a:fillRect/>
                       </a:stretch>
@@ -12601,7 +12601,7 @@
           <p:nvPr/>
         </p:nvPicPr>
         <p:blipFill>
-          <a:blip r:embed="rId10"/>
+          <a:blip r:embed="rId9"/>
           <a:stretch>
             <a:fillRect/>
           </a:stretch>
@@ -12695,12 +12695,12 @@
           <a:graphicData uri="http://schemas.openxmlformats.org/presentationml/2006/ole">
             <mc:AlternateContent xmlns:mc="http://schemas.openxmlformats.org/markup-compatibility/2006">
               <mc:Choice xmlns:v="urn:schemas-microsoft-com:vml" Requires="v">
-                <p:oleObj spid="_x0000_s107610" name="Equation" r:id="rId3" imgW="2451100" imgH="457200" progId="Equation.3">
+                <p:oleObj name="Equation" r:id="rId2" imgW="2451100" imgH="457200" progId="Equation.3">
                   <p:embed/>
                 </p:oleObj>
               </mc:Choice>
               <mc:Fallback>
-                <p:oleObj name="Equation" r:id="rId3" imgW="2451100" imgH="457200" progId="Equation.3">
+                <p:oleObj name="Equation" r:id="rId2" imgW="2451100" imgH="457200" progId="Equation.3">
                   <p:embed/>
                   <p:pic>
                     <p:nvPicPr>
@@ -12709,7 +12709,7 @@
                       <p:nvPr/>
                     </p:nvPicPr>
                     <p:blipFill>
-                      <a:blip r:embed="rId4"/>
+                      <a:blip r:embed="rId3"/>
                       <a:stretch>
                         <a:fillRect/>
                       </a:stretch>
@@ -12752,12 +12752,12 @@
           <a:graphicData uri="http://schemas.openxmlformats.org/presentationml/2006/ole">
             <mc:AlternateContent xmlns:mc="http://schemas.openxmlformats.org/markup-compatibility/2006">
               <mc:Choice xmlns:v="urn:schemas-microsoft-com:vml" Requires="v">
-                <p:oleObj spid="_x0000_s107611" name="Equation" r:id="rId5" imgW="1333500" imgH="457200" progId="Equation.3">
+                <p:oleObj name="Equation" r:id="rId4" imgW="1333500" imgH="457200" progId="Equation.3">
                   <p:embed/>
                 </p:oleObj>
               </mc:Choice>
               <mc:Fallback>
-                <p:oleObj name="Equation" r:id="rId5" imgW="1333500" imgH="457200" progId="Equation.3">
+                <p:oleObj name="Equation" r:id="rId4" imgW="1333500" imgH="457200" progId="Equation.3">
                   <p:embed/>
                   <p:pic>
                     <p:nvPicPr>
@@ -12766,7 +12766,7 @@
                       <p:nvPr/>
                     </p:nvPicPr>
                     <p:blipFill>
-                      <a:blip r:embed="rId6"/>
+                      <a:blip r:embed="rId5"/>
                       <a:stretch>
                         <a:fillRect/>
                       </a:stretch>
@@ -13346,12 +13346,12 @@
           <a:graphicData uri="http://schemas.openxmlformats.org/presentationml/2006/ole">
             <mc:AlternateContent xmlns:mc="http://schemas.openxmlformats.org/markup-compatibility/2006">
               <mc:Choice xmlns:v="urn:schemas-microsoft-com:vml" Requires="v">
-                <p:oleObj spid="_x0000_s108591" name="Equation" r:id="rId4" imgW="3009900" imgH="203200" progId="Equation.3">
+                <p:oleObj name="Equation" r:id="rId3" imgW="3009900" imgH="203200" progId="Equation.3">
                   <p:embed/>
                 </p:oleObj>
               </mc:Choice>
               <mc:Fallback>
-                <p:oleObj name="Equation" r:id="rId4" imgW="3009900" imgH="203200" progId="Equation.3">
+                <p:oleObj name="Equation" r:id="rId3" imgW="3009900" imgH="203200" progId="Equation.3">
                   <p:embed/>
                   <p:pic>
                     <p:nvPicPr>
@@ -13360,7 +13360,7 @@
                       <p:nvPr/>
                     </p:nvPicPr>
                     <p:blipFill>
-                      <a:blip r:embed="rId5"/>
+                      <a:blip r:embed="rId4"/>
                       <a:stretch>
                         <a:fillRect/>
                       </a:stretch>
@@ -13718,12 +13718,12 @@
           <a:graphicData uri="http://schemas.openxmlformats.org/presentationml/2006/ole">
             <mc:AlternateContent xmlns:mc="http://schemas.openxmlformats.org/markup-compatibility/2006">
               <mc:Choice xmlns:v="urn:schemas-microsoft-com:vml" Requires="v">
-                <p:oleObj spid="_x0000_s109658" name="Equation" r:id="rId3" imgW="3009900" imgH="203200" progId="Equation.3">
+                <p:oleObj name="Equation" r:id="rId2" imgW="3009900" imgH="203200" progId="Equation.3">
                   <p:embed/>
                 </p:oleObj>
               </mc:Choice>
               <mc:Fallback>
-                <p:oleObj name="Equation" r:id="rId3" imgW="3009900" imgH="203200" progId="Equation.3">
+                <p:oleObj name="Equation" r:id="rId2" imgW="3009900" imgH="203200" progId="Equation.3">
                   <p:embed/>
                   <p:pic>
                     <p:nvPicPr>
@@ -13732,7 +13732,7 @@
                       <p:nvPr/>
                     </p:nvPicPr>
                     <p:blipFill>
-                      <a:blip r:embed="rId4"/>
+                      <a:blip r:embed="rId3"/>
                       <a:stretch>
                         <a:fillRect/>
                       </a:stretch>
@@ -13865,12 +13865,12 @@
           <a:graphicData uri="http://schemas.openxmlformats.org/presentationml/2006/ole">
             <mc:AlternateContent xmlns:mc="http://schemas.openxmlformats.org/markup-compatibility/2006">
               <mc:Choice xmlns:v="urn:schemas-microsoft-com:vml" Requires="v">
-                <p:oleObj spid="_x0000_s109659" name="Equation" r:id="rId5" imgW="2946400" imgH="203200" progId="Equation.3">
+                <p:oleObj name="Equation" r:id="rId4" imgW="2946400" imgH="203200" progId="Equation.3">
                   <p:embed/>
                 </p:oleObj>
               </mc:Choice>
               <mc:Fallback>
-                <p:oleObj name="Equation" r:id="rId5" imgW="2946400" imgH="203200" progId="Equation.3">
+                <p:oleObj name="Equation" r:id="rId4" imgW="2946400" imgH="203200" progId="Equation.3">
                   <p:embed/>
                   <p:pic>
                     <p:nvPicPr>
@@ -13879,7 +13879,7 @@
                       <p:nvPr/>
                     </p:nvPicPr>
                     <p:blipFill>
-                      <a:blip r:embed="rId6"/>
+                      <a:blip r:embed="rId5"/>
                       <a:stretch>
                         <a:fillRect/>
                       </a:stretch>
@@ -14010,12 +14010,12 @@
           <a:graphicData uri="http://schemas.openxmlformats.org/presentationml/2006/ole">
             <mc:AlternateContent xmlns:mc="http://schemas.openxmlformats.org/markup-compatibility/2006">
               <mc:Choice xmlns:v="urn:schemas-microsoft-com:vml" Requires="v">
-                <p:oleObj spid="_x0000_s110869" name="Equation" r:id="rId4" imgW="3111500" imgH="203200" progId="Equation.3">
+                <p:oleObj name="Equation" r:id="rId3" imgW="3111500" imgH="203200" progId="Equation.3">
                   <p:embed/>
                 </p:oleObj>
               </mc:Choice>
               <mc:Fallback>
-                <p:oleObj name="Equation" r:id="rId4" imgW="3111500" imgH="203200" progId="Equation.3">
+                <p:oleObj name="Equation" r:id="rId3" imgW="3111500" imgH="203200" progId="Equation.3">
                   <p:embed/>
                   <p:pic>
                     <p:nvPicPr>
@@ -14024,7 +14024,7 @@
                       <p:nvPr/>
                     </p:nvPicPr>
                     <p:blipFill>
-                      <a:blip r:embed="rId5"/>
+                      <a:blip r:embed="rId4"/>
                       <a:stretch>
                         <a:fillRect/>
                       </a:stretch>
@@ -14067,12 +14067,12 @@
           <a:graphicData uri="http://schemas.openxmlformats.org/presentationml/2006/ole">
             <mc:AlternateContent xmlns:mc="http://schemas.openxmlformats.org/markup-compatibility/2006">
               <mc:Choice xmlns:v="urn:schemas-microsoft-com:vml" Requires="v">
-                <p:oleObj spid="_x0000_s110870" name="Equation" r:id="rId6" imgW="3657600" imgH="203200" progId="Equation.3">
+                <p:oleObj name="Equation" r:id="rId5" imgW="3657600" imgH="203200" progId="Equation.3">
                   <p:embed/>
                 </p:oleObj>
               </mc:Choice>
               <mc:Fallback>
-                <p:oleObj name="Equation" r:id="rId6" imgW="3657600" imgH="203200" progId="Equation.3">
+                <p:oleObj name="Equation" r:id="rId5" imgW="3657600" imgH="203200" progId="Equation.3">
                   <p:embed/>
                   <p:pic>
                     <p:nvPicPr>
@@ -14081,7 +14081,7 @@
                       <p:nvPr/>
                     </p:nvPicPr>
                     <p:blipFill>
-                      <a:blip r:embed="rId7"/>
+                      <a:blip r:embed="rId6"/>
                       <a:stretch>
                         <a:fillRect/>
                       </a:stretch>
@@ -14129,12 +14129,12 @@
           <a:graphicData uri="http://schemas.openxmlformats.org/presentationml/2006/ole">
             <mc:AlternateContent xmlns:mc="http://schemas.openxmlformats.org/markup-compatibility/2006">
               <mc:Choice xmlns:v="urn:schemas-microsoft-com:vml" Requires="v">
-                <p:oleObj spid="_x0000_s110871" name="Equation" r:id="rId8" imgW="2540000" imgH="203200" progId="Equation.3">
+                <p:oleObj name="Equation" r:id="rId7" imgW="2540000" imgH="203200" progId="Equation.3">
                   <p:embed/>
                 </p:oleObj>
               </mc:Choice>
               <mc:Fallback>
-                <p:oleObj name="Equation" r:id="rId8" imgW="2540000" imgH="203200" progId="Equation.3">
+                <p:oleObj name="Equation" r:id="rId7" imgW="2540000" imgH="203200" progId="Equation.3">
                   <p:embed/>
                   <p:pic>
                     <p:nvPicPr>
@@ -14143,7 +14143,7 @@
                       <p:nvPr/>
                     </p:nvPicPr>
                     <p:blipFill>
-                      <a:blip r:embed="rId9"/>
+                      <a:blip r:embed="rId8"/>
                       <a:stretch>
                         <a:fillRect/>
                       </a:stretch>
@@ -14205,12 +14205,12 @@
             <a:graphicData uri="http://schemas.openxmlformats.org/presentationml/2006/ole">
               <mc:AlternateContent xmlns:mc="http://schemas.openxmlformats.org/markup-compatibility/2006">
                 <mc:Choice xmlns:v="urn:schemas-microsoft-com:vml" Requires="v">
-                  <p:oleObj spid="_x0000_s110872" name="Equation" r:id="rId10" imgW="2260600" imgH="203200" progId="Equation.3">
+                  <p:oleObj name="Equation" r:id="rId9" imgW="2260600" imgH="203200" progId="Equation.3">
                     <p:embed/>
                   </p:oleObj>
                 </mc:Choice>
                 <mc:Fallback>
-                  <p:oleObj name="Equation" r:id="rId10" imgW="2260600" imgH="203200" progId="Equation.3">
+                  <p:oleObj name="Equation" r:id="rId9" imgW="2260600" imgH="203200" progId="Equation.3">
                     <p:embed/>
                     <p:pic>
                       <p:nvPicPr>
@@ -14219,7 +14219,7 @@
                         <p:nvPr/>
                       </p:nvPicPr>
                       <p:blipFill>
-                        <a:blip r:embed="rId11"/>
+                        <a:blip r:embed="rId10"/>
                         <a:stretch>
                           <a:fillRect/>
                         </a:stretch>
@@ -14262,12 +14262,12 @@
             <a:graphicData uri="http://schemas.openxmlformats.org/presentationml/2006/ole">
               <mc:AlternateContent xmlns:mc="http://schemas.openxmlformats.org/markup-compatibility/2006">
                 <mc:Choice xmlns:v="urn:schemas-microsoft-com:vml" Requires="v">
-                  <p:oleObj spid="_x0000_s110873" name="Equation" r:id="rId12" imgW="2247900" imgH="203200" progId="Equation.3">
+                  <p:oleObj name="Equation" r:id="rId11" imgW="2247900" imgH="203200" progId="Equation.3">
                     <p:embed/>
                   </p:oleObj>
                 </mc:Choice>
                 <mc:Fallback>
-                  <p:oleObj name="Equation" r:id="rId12" imgW="2247900" imgH="203200" progId="Equation.3">
+                  <p:oleObj name="Equation" r:id="rId11" imgW="2247900" imgH="203200" progId="Equation.3">
                     <p:embed/>
                     <p:pic>
                       <p:nvPicPr>
@@ -14276,7 +14276,7 @@
                         <p:nvPr/>
                       </p:nvPicPr>
                       <p:blipFill>
-                        <a:blip r:embed="rId13"/>
+                        <a:blip r:embed="rId12"/>
                         <a:stretch>
                           <a:fillRect/>
                         </a:stretch>
@@ -14499,12 +14499,12 @@
           <a:graphicData uri="http://schemas.openxmlformats.org/presentationml/2006/ole">
             <mc:AlternateContent xmlns:mc="http://schemas.openxmlformats.org/markup-compatibility/2006">
               <mc:Choice xmlns:v="urn:schemas-microsoft-com:vml" Requires="v">
-                <p:oleObj spid="_x0000_s168084" name="Equation" r:id="rId4" imgW="3111500" imgH="203200" progId="Equation.3">
+                <p:oleObj name="Equation" r:id="rId3" imgW="3111500" imgH="203200" progId="Equation.3">
                   <p:embed/>
                 </p:oleObj>
               </mc:Choice>
               <mc:Fallback>
-                <p:oleObj name="Equation" r:id="rId4" imgW="3111500" imgH="203200" progId="Equation.3">
+                <p:oleObj name="Equation" r:id="rId3" imgW="3111500" imgH="203200" progId="Equation.3">
                   <p:embed/>
                   <p:pic>
                     <p:nvPicPr>
@@ -14513,7 +14513,7 @@
                       <p:nvPr/>
                     </p:nvPicPr>
                     <p:blipFill>
-                      <a:blip r:embed="rId5"/>
+                      <a:blip r:embed="rId4"/>
                       <a:stretch>
                         <a:fillRect/>
                       </a:stretch>
@@ -14550,12 +14550,12 @@
           <a:graphicData uri="http://schemas.openxmlformats.org/presentationml/2006/ole">
             <mc:AlternateContent xmlns:mc="http://schemas.openxmlformats.org/markup-compatibility/2006">
               <mc:Choice xmlns:v="urn:schemas-microsoft-com:vml" Requires="v">
-                <p:oleObj spid="_x0000_s168085" name="Equation" r:id="rId6" imgW="3657600" imgH="203200" progId="Equation.3">
+                <p:oleObj name="Equation" r:id="rId5" imgW="3657600" imgH="203200" progId="Equation.3">
                   <p:embed/>
                 </p:oleObj>
               </mc:Choice>
               <mc:Fallback>
-                <p:oleObj name="Equation" r:id="rId6" imgW="3657600" imgH="203200" progId="Equation.3">
+                <p:oleObj name="Equation" r:id="rId5" imgW="3657600" imgH="203200" progId="Equation.3">
                   <p:embed/>
                   <p:pic>
                     <p:nvPicPr>
@@ -14564,7 +14564,7 @@
                       <p:nvPr/>
                     </p:nvPicPr>
                     <p:blipFill>
-                      <a:blip r:embed="rId7"/>
+                      <a:blip r:embed="rId6"/>
                       <a:stretch>
                         <a:fillRect/>
                       </a:stretch>
@@ -14606,12 +14606,12 @@
           <a:graphicData uri="http://schemas.openxmlformats.org/presentationml/2006/ole">
             <mc:AlternateContent xmlns:mc="http://schemas.openxmlformats.org/markup-compatibility/2006">
               <mc:Choice xmlns:v="urn:schemas-microsoft-com:vml" Requires="v">
-                <p:oleObj spid="_x0000_s168086" name="Equation" r:id="rId8" imgW="2540000" imgH="203200" progId="Equation.3">
+                <p:oleObj name="Equation" r:id="rId7" imgW="2540000" imgH="203200" progId="Equation.3">
                   <p:embed/>
                 </p:oleObj>
               </mc:Choice>
               <mc:Fallback>
-                <p:oleObj name="Equation" r:id="rId8" imgW="2540000" imgH="203200" progId="Equation.3">
+                <p:oleObj name="Equation" r:id="rId7" imgW="2540000" imgH="203200" progId="Equation.3">
                   <p:embed/>
                   <p:pic>
                     <p:nvPicPr>
@@ -14620,7 +14620,7 @@
                       <p:nvPr/>
                     </p:nvPicPr>
                     <p:blipFill>
-                      <a:blip r:embed="rId9"/>
+                      <a:blip r:embed="rId8"/>
                       <a:stretch>
                         <a:fillRect/>
                       </a:stretch>
@@ -14676,12 +14676,12 @@
             <a:graphicData uri="http://schemas.openxmlformats.org/presentationml/2006/ole">
               <mc:AlternateContent xmlns:mc="http://schemas.openxmlformats.org/markup-compatibility/2006">
                 <mc:Choice xmlns:v="urn:schemas-microsoft-com:vml" Requires="v">
-                  <p:oleObj spid="_x0000_s168087" name="Equation" r:id="rId10" imgW="2260600" imgH="203200" progId="Equation.3">
+                  <p:oleObj name="Equation" r:id="rId9" imgW="2260600" imgH="203200" progId="Equation.3">
                     <p:embed/>
                   </p:oleObj>
                 </mc:Choice>
                 <mc:Fallback>
-                  <p:oleObj name="Equation" r:id="rId10" imgW="2260600" imgH="203200" progId="Equation.3">
+                  <p:oleObj name="Equation" r:id="rId9" imgW="2260600" imgH="203200" progId="Equation.3">
                     <p:embed/>
                     <p:pic>
                       <p:nvPicPr>
@@ -14690,7 +14690,7 @@
                         <p:nvPr/>
                       </p:nvPicPr>
                       <p:blipFill>
-                        <a:blip r:embed="rId11"/>
+                        <a:blip r:embed="rId10"/>
                         <a:stretch>
                           <a:fillRect/>
                         </a:stretch>
@@ -14727,12 +14727,12 @@
             <a:graphicData uri="http://schemas.openxmlformats.org/presentationml/2006/ole">
               <mc:AlternateContent xmlns:mc="http://schemas.openxmlformats.org/markup-compatibility/2006">
                 <mc:Choice xmlns:v="urn:schemas-microsoft-com:vml" Requires="v">
-                  <p:oleObj spid="_x0000_s168088" name="Equation" r:id="rId12" imgW="2247900" imgH="203200" progId="Equation.3">
+                  <p:oleObj name="Equation" r:id="rId11" imgW="2247900" imgH="203200" progId="Equation.3">
                     <p:embed/>
                   </p:oleObj>
                 </mc:Choice>
                 <mc:Fallback>
-                  <p:oleObj name="Equation" r:id="rId12" imgW="2247900" imgH="203200" progId="Equation.3">
+                  <p:oleObj name="Equation" r:id="rId11" imgW="2247900" imgH="203200" progId="Equation.3">
                     <p:embed/>
                     <p:pic>
                       <p:nvPicPr>
@@ -14741,7 +14741,7 @@
                         <p:nvPr/>
                       </p:nvPicPr>
                       <p:blipFill>
-                        <a:blip r:embed="rId13"/>
+                        <a:blip r:embed="rId12"/>
                         <a:stretch>
                           <a:fillRect/>
                         </a:stretch>
@@ -14880,12 +14880,12 @@
             <a:graphicData uri="http://schemas.openxmlformats.org/presentationml/2006/ole">
               <mc:AlternateContent xmlns:mc="http://schemas.openxmlformats.org/markup-compatibility/2006">
                 <mc:Choice xmlns:v="urn:schemas-microsoft-com:vml" Requires="v">
-                  <p:oleObj spid="_x0000_s168089" name="Equation" r:id="rId14" imgW="4572000" imgH="203200" progId="Equation.3">
+                  <p:oleObj name="Equation" r:id="rId13" imgW="4572000" imgH="203200" progId="Equation.3">
                     <p:embed/>
                   </p:oleObj>
                 </mc:Choice>
                 <mc:Fallback>
-                  <p:oleObj name="Equation" r:id="rId14" imgW="4572000" imgH="203200" progId="Equation.3">
+                  <p:oleObj name="Equation" r:id="rId13" imgW="4572000" imgH="203200" progId="Equation.3">
                     <p:embed/>
                     <p:pic>
                       <p:nvPicPr>
@@ -14894,7 +14894,7 @@
                         <p:nvPr/>
                       </p:nvPicPr>
                       <p:blipFill>
-                        <a:blip r:embed="rId15"/>
+                        <a:blip r:embed="rId14"/>
                         <a:stretch>
                           <a:fillRect/>
                         </a:stretch>
@@ -14951,12 +14951,12 @@
             <a:graphicData uri="http://schemas.openxmlformats.org/presentationml/2006/ole">
               <mc:AlternateContent xmlns:mc="http://schemas.openxmlformats.org/markup-compatibility/2006">
                 <mc:Choice xmlns:v="urn:schemas-microsoft-com:vml" Requires="v">
-                  <p:oleObj spid="_x0000_s168090" name="Equation" r:id="rId16" imgW="2197100" imgH="203200" progId="Equation.3">
+                  <p:oleObj name="Equation" r:id="rId15" imgW="2197100" imgH="203200" progId="Equation.3">
                     <p:embed/>
                   </p:oleObj>
                 </mc:Choice>
                 <mc:Fallback>
-                  <p:oleObj name="Equation" r:id="rId16" imgW="2197100" imgH="203200" progId="Equation.3">
+                  <p:oleObj name="Equation" r:id="rId15" imgW="2197100" imgH="203200" progId="Equation.3">
                     <p:embed/>
                     <p:pic>
                       <p:nvPicPr>
@@ -14965,7 +14965,7 @@
                         <p:nvPr/>
                       </p:nvPicPr>
                       <p:blipFill>
-                        <a:blip r:embed="rId17"/>
+                        <a:blip r:embed="rId16"/>
                         <a:stretch>
                           <a:fillRect/>
                         </a:stretch>
@@ -15644,12 +15644,12 @@
           <a:graphicData uri="http://schemas.openxmlformats.org/presentationml/2006/ole">
             <mc:AlternateContent xmlns:mc="http://schemas.openxmlformats.org/markup-compatibility/2006">
               <mc:Choice xmlns:v="urn:schemas-microsoft-com:vml" Requires="v">
-                <p:oleObj spid="_x0000_s111706" name="Equation" r:id="rId3" imgW="2451100" imgH="457200" progId="Equation.3">
+                <p:oleObj name="Equation" r:id="rId2" imgW="2451100" imgH="457200" progId="Equation.3">
                   <p:embed/>
                 </p:oleObj>
               </mc:Choice>
               <mc:Fallback>
-                <p:oleObj name="Equation" r:id="rId3" imgW="2451100" imgH="457200" progId="Equation.3">
+                <p:oleObj name="Equation" r:id="rId2" imgW="2451100" imgH="457200" progId="Equation.3">
                   <p:embed/>
                   <p:pic>
                     <p:nvPicPr>
@@ -15658,7 +15658,7 @@
                       <p:nvPr/>
                     </p:nvPicPr>
                     <p:blipFill>
-                      <a:blip r:embed="rId4"/>
+                      <a:blip r:embed="rId3"/>
                       <a:stretch>
                         <a:fillRect/>
                       </a:stretch>
@@ -15701,12 +15701,12 @@
           <a:graphicData uri="http://schemas.openxmlformats.org/presentationml/2006/ole">
             <mc:AlternateContent xmlns:mc="http://schemas.openxmlformats.org/markup-compatibility/2006">
               <mc:Choice xmlns:v="urn:schemas-microsoft-com:vml" Requires="v">
-                <p:oleObj spid="_x0000_s111707" name="Equation" r:id="rId5" imgW="1333500" imgH="457200" progId="Equation.3">
+                <p:oleObj name="Equation" r:id="rId4" imgW="1333500" imgH="457200" progId="Equation.3">
                   <p:embed/>
                 </p:oleObj>
               </mc:Choice>
               <mc:Fallback>
-                <p:oleObj name="Equation" r:id="rId5" imgW="1333500" imgH="457200" progId="Equation.3">
+                <p:oleObj name="Equation" r:id="rId4" imgW="1333500" imgH="457200" progId="Equation.3">
                   <p:embed/>
                   <p:pic>
                     <p:nvPicPr>
@@ -15715,7 +15715,7 @@
                       <p:nvPr/>
                     </p:nvPicPr>
                     <p:blipFill>
-                      <a:blip r:embed="rId6"/>
+                      <a:blip r:embed="rId5"/>
                       <a:stretch>
                         <a:fillRect/>
                       </a:stretch>
@@ -15969,12 +15969,12 @@
           <a:graphicData uri="http://schemas.openxmlformats.org/presentationml/2006/ole">
             <mc:AlternateContent xmlns:mc="http://schemas.openxmlformats.org/markup-compatibility/2006">
               <mc:Choice xmlns:v="urn:schemas-microsoft-com:vml" Requires="v">
-                <p:oleObj spid="_x0000_s112687" name="Equation" r:id="rId3" imgW="1549400" imgH="469900" progId="Equation.3">
+                <p:oleObj name="Equation" r:id="rId2" imgW="1549400" imgH="469900" progId="Equation.3">
                   <p:embed/>
                 </p:oleObj>
               </mc:Choice>
               <mc:Fallback>
-                <p:oleObj name="Equation" r:id="rId3" imgW="1549400" imgH="469900" progId="Equation.3">
+                <p:oleObj name="Equation" r:id="rId2" imgW="1549400" imgH="469900" progId="Equation.3">
                   <p:embed/>
                   <p:pic>
                     <p:nvPicPr>
@@ -15983,7 +15983,7 @@
                       <p:nvPr/>
                     </p:nvPicPr>
                     <p:blipFill>
-                      <a:blip r:embed="rId4"/>
+                      <a:blip r:embed="rId3"/>
                       <a:stretch>
                         <a:fillRect/>
                       </a:stretch>
@@ -16192,12 +16192,12 @@
           <a:graphicData uri="http://schemas.openxmlformats.org/presentationml/2006/ole">
             <mc:AlternateContent xmlns:mc="http://schemas.openxmlformats.org/markup-compatibility/2006">
               <mc:Choice xmlns:v="urn:schemas-microsoft-com:vml" Requires="v">
-                <p:oleObj spid="_x0000_s113797" name="Equation" r:id="rId4" imgW="1041400" imgH="330200" progId="Equation.3">
+                <p:oleObj name="Equation" r:id="rId3" imgW="1041400" imgH="330200" progId="Equation.3">
                   <p:embed/>
                 </p:oleObj>
               </mc:Choice>
               <mc:Fallback>
-                <p:oleObj name="Equation" r:id="rId4" imgW="1041400" imgH="330200" progId="Equation.3">
+                <p:oleObj name="Equation" r:id="rId3" imgW="1041400" imgH="330200" progId="Equation.3">
                   <p:embed/>
                   <p:pic>
                     <p:nvPicPr>
@@ -16206,7 +16206,7 @@
                       <p:nvPr/>
                     </p:nvPicPr>
                     <p:blipFill>
-                      <a:blip r:embed="rId5"/>
+                      <a:blip r:embed="rId4"/>
                       <a:stretch>
                         <a:fillRect/>
                       </a:stretch>
@@ -16249,12 +16249,12 @@
           <a:graphicData uri="http://schemas.openxmlformats.org/presentationml/2006/ole">
             <mc:AlternateContent xmlns:mc="http://schemas.openxmlformats.org/markup-compatibility/2006">
               <mc:Choice xmlns:v="urn:schemas-microsoft-com:vml" Requires="v">
-                <p:oleObj spid="_x0000_s113798" name="Equation" r:id="rId6" imgW="1841500" imgH="457200" progId="Equation.3">
+                <p:oleObj name="Equation" r:id="rId5" imgW="1841500" imgH="457200" progId="Equation.3">
                   <p:embed/>
                 </p:oleObj>
               </mc:Choice>
               <mc:Fallback>
-                <p:oleObj name="Equation" r:id="rId6" imgW="1841500" imgH="457200" progId="Equation.3">
+                <p:oleObj name="Equation" r:id="rId5" imgW="1841500" imgH="457200" progId="Equation.3">
                   <p:embed/>
                   <p:pic>
                     <p:nvPicPr>
@@ -16263,7 +16263,7 @@
                       <p:nvPr/>
                     </p:nvPicPr>
                     <p:blipFill>
-                      <a:blip r:embed="rId7"/>
+                      <a:blip r:embed="rId6"/>
                       <a:stretch>
                         <a:fillRect/>
                       </a:stretch>
@@ -16306,12 +16306,12 @@
           <a:graphicData uri="http://schemas.openxmlformats.org/presentationml/2006/ole">
             <mc:AlternateContent xmlns:mc="http://schemas.openxmlformats.org/markup-compatibility/2006">
               <mc:Choice xmlns:v="urn:schemas-microsoft-com:vml" Requires="v">
-                <p:oleObj spid="_x0000_s113799" name="Equation" r:id="rId8" imgW="2438400" imgH="457200" progId="Equation.3">
+                <p:oleObj name="Equation" r:id="rId7" imgW="2438400" imgH="457200" progId="Equation.3">
                   <p:embed/>
                 </p:oleObj>
               </mc:Choice>
               <mc:Fallback>
-                <p:oleObj name="Equation" r:id="rId8" imgW="2438400" imgH="457200" progId="Equation.3">
+                <p:oleObj name="Equation" r:id="rId7" imgW="2438400" imgH="457200" progId="Equation.3">
                   <p:embed/>
                   <p:pic>
                     <p:nvPicPr>
@@ -16320,7 +16320,7 @@
                       <p:nvPr/>
                     </p:nvPicPr>
                     <p:blipFill>
-                      <a:blip r:embed="rId9"/>
+                      <a:blip r:embed="rId8"/>
                       <a:stretch>
                         <a:fillRect/>
                       </a:stretch>
@@ -16453,12 +16453,12 @@
           <a:graphicData uri="http://schemas.openxmlformats.org/presentationml/2006/ole">
             <mc:AlternateContent xmlns:mc="http://schemas.openxmlformats.org/markup-compatibility/2006">
               <mc:Choice xmlns:v="urn:schemas-microsoft-com:vml" Requires="v">
-                <p:oleObj spid="_x0000_s114735" name="Equation" r:id="rId3" imgW="2438400" imgH="457200" progId="Equation.3">
+                <p:oleObj name="Equation" r:id="rId2" imgW="2438400" imgH="457200" progId="Equation.3">
                   <p:embed/>
                 </p:oleObj>
               </mc:Choice>
               <mc:Fallback>
-                <p:oleObj name="Equation" r:id="rId3" imgW="2438400" imgH="457200" progId="Equation.3">
+                <p:oleObj name="Equation" r:id="rId2" imgW="2438400" imgH="457200" progId="Equation.3">
                   <p:embed/>
                   <p:pic>
                     <p:nvPicPr>
@@ -16467,7 +16467,7 @@
                       <p:nvPr/>
                     </p:nvPicPr>
                     <p:blipFill>
-                      <a:blip r:embed="rId4"/>
+                      <a:blip r:embed="rId3"/>
                       <a:stretch>
                         <a:fillRect/>
                       </a:stretch>
@@ -16979,12 +16979,12 @@
           <a:graphicData uri="http://schemas.openxmlformats.org/presentationml/2006/ole">
             <mc:AlternateContent xmlns:mc="http://schemas.openxmlformats.org/markup-compatibility/2006">
               <mc:Choice xmlns:v="urn:schemas-microsoft-com:vml" Requires="v">
-                <p:oleObj spid="_x0000_s115804" name="Equation" r:id="rId3" imgW="2705100" imgH="444500" progId="Equation.3">
+                <p:oleObj name="Equation" r:id="rId2" imgW="2705100" imgH="444500" progId="Equation.3">
                   <p:embed/>
                 </p:oleObj>
               </mc:Choice>
               <mc:Fallback>
-                <p:oleObj name="Equation" r:id="rId3" imgW="2705100" imgH="444500" progId="Equation.3">
+                <p:oleObj name="Equation" r:id="rId2" imgW="2705100" imgH="444500" progId="Equation.3">
                   <p:embed/>
                   <p:pic>
                     <p:nvPicPr>
@@ -16995,7 +16995,7 @@
                       <p:nvPr/>
                     </p:nvPicPr>
                     <p:blipFill>
-                      <a:blip r:embed="rId4"/>
+                      <a:blip r:embed="rId3"/>
                       <a:srcRect/>
                       <a:stretch>
                         <a:fillRect/>
@@ -17012,7 +17012,7 @@
                       <a:noFill/>
                       <a:extLst>
                         <a:ext uri="{909E8E84-426E-40dd-AFC4-6F175D3DCCD1}">
-                          <a14:hiddenFill xmlns:a14="http://schemas.microsoft.com/office/drawing/2010/main" xmlns="">
+                          <a14:hiddenFill xmlns="" xmlns:a14="http://schemas.microsoft.com/office/drawing/2010/main">
                             <a:solidFill>
                               <a:srgbClr val="FFFFFF"/>
                             </a:solidFill>
@@ -17049,12 +17049,12 @@
           <a:graphicData uri="http://schemas.openxmlformats.org/presentationml/2006/ole">
             <mc:AlternateContent xmlns:mc="http://schemas.openxmlformats.org/markup-compatibility/2006">
               <mc:Choice xmlns:v="urn:schemas-microsoft-com:vml" Requires="v">
-                <p:oleObj spid="_x0000_s115805" name="Equation" r:id="rId5" imgW="2438400" imgH="457200" progId="Equation.3">
+                <p:oleObj name="Equation" r:id="rId4" imgW="2438400" imgH="457200" progId="Equation.3">
                   <p:embed/>
                 </p:oleObj>
               </mc:Choice>
               <mc:Fallback>
-                <p:oleObj name="Equation" r:id="rId5" imgW="2438400" imgH="457200" progId="Equation.3">
+                <p:oleObj name="Equation" r:id="rId4" imgW="2438400" imgH="457200" progId="Equation.3">
                   <p:embed/>
                   <p:pic>
                     <p:nvPicPr>
@@ -17063,7 +17063,7 @@
                       <p:nvPr/>
                     </p:nvPicPr>
                     <p:blipFill>
-                      <a:blip r:embed="rId6"/>
+                      <a:blip r:embed="rId5"/>
                       <a:stretch>
                         <a:fillRect/>
                       </a:stretch>
@@ -17194,12 +17194,12 @@
           <a:graphicData uri="http://schemas.openxmlformats.org/presentationml/2006/ole">
             <mc:AlternateContent xmlns:mc="http://schemas.openxmlformats.org/markup-compatibility/2006">
               <mc:Choice xmlns:v="urn:schemas-microsoft-com:vml" Requires="v">
-                <p:oleObj spid="_x0000_s116869" name="Equation" r:id="rId3" imgW="2120900" imgH="469900" progId="Equation.3">
+                <p:oleObj name="Equation" r:id="rId2" imgW="2120900" imgH="469900" progId="Equation.3">
                   <p:embed/>
                 </p:oleObj>
               </mc:Choice>
               <mc:Fallback>
-                <p:oleObj name="Equation" r:id="rId3" imgW="2120900" imgH="469900" progId="Equation.3">
+                <p:oleObj name="Equation" r:id="rId2" imgW="2120900" imgH="469900" progId="Equation.3">
                   <p:embed/>
                   <p:pic>
                     <p:nvPicPr>
@@ -17208,7 +17208,7 @@
                       <p:nvPr/>
                     </p:nvPicPr>
                     <p:blipFill>
-                      <a:blip r:embed="rId4"/>
+                      <a:blip r:embed="rId3"/>
                       <a:stretch>
                         <a:fillRect/>
                       </a:stretch>
@@ -17251,12 +17251,12 @@
           <a:graphicData uri="http://schemas.openxmlformats.org/presentationml/2006/ole">
             <mc:AlternateContent xmlns:mc="http://schemas.openxmlformats.org/markup-compatibility/2006">
               <mc:Choice xmlns:v="urn:schemas-microsoft-com:vml" Requires="v">
-                <p:oleObj spid="_x0000_s116870" name="Equation" r:id="rId5" imgW="977900" imgH="444500" progId="Equation.3">
+                <p:oleObj name="Equation" r:id="rId4" imgW="977900" imgH="444500" progId="Equation.3">
                   <p:embed/>
                 </p:oleObj>
               </mc:Choice>
               <mc:Fallback>
-                <p:oleObj name="Equation" r:id="rId5" imgW="977900" imgH="444500" progId="Equation.3">
+                <p:oleObj name="Equation" r:id="rId4" imgW="977900" imgH="444500" progId="Equation.3">
                   <p:embed/>
                   <p:pic>
                     <p:nvPicPr>
@@ -17265,7 +17265,7 @@
                       <p:nvPr/>
                     </p:nvPicPr>
                     <p:blipFill>
-                      <a:blip r:embed="rId6"/>
+                      <a:blip r:embed="rId5"/>
                       <a:stretch>
                         <a:fillRect/>
                       </a:stretch>
@@ -17308,12 +17308,12 @@
           <a:graphicData uri="http://schemas.openxmlformats.org/presentationml/2006/ole">
             <mc:AlternateContent xmlns:mc="http://schemas.openxmlformats.org/markup-compatibility/2006">
               <mc:Choice xmlns:v="urn:schemas-microsoft-com:vml" Requires="v">
-                <p:oleObj spid="_x0000_s116871" name="Equation" r:id="rId7" imgW="2159000" imgH="457200" progId="Equation.3">
+                <p:oleObj name="Equation" r:id="rId6" imgW="2159000" imgH="457200" progId="Equation.3">
                   <p:embed/>
                 </p:oleObj>
               </mc:Choice>
               <mc:Fallback>
-                <p:oleObj name="Equation" r:id="rId7" imgW="2159000" imgH="457200" progId="Equation.3">
+                <p:oleObj name="Equation" r:id="rId6" imgW="2159000" imgH="457200" progId="Equation.3">
                   <p:embed/>
                   <p:pic>
                     <p:nvPicPr>
@@ -17322,7 +17322,7 @@
                       <p:nvPr/>
                     </p:nvPicPr>
                     <p:blipFill>
-                      <a:blip r:embed="rId8"/>
+                      <a:blip r:embed="rId7"/>
                       <a:stretch>
                         <a:fillRect/>
                       </a:stretch>
@@ -17566,12 +17566,12 @@
           <a:graphicData uri="http://schemas.openxmlformats.org/presentationml/2006/ole">
             <mc:AlternateContent xmlns:mc="http://schemas.openxmlformats.org/markup-compatibility/2006">
               <mc:Choice xmlns:v="urn:schemas-microsoft-com:vml" Requires="v">
-                <p:oleObj spid="_x0000_s117852" name="Equation" r:id="rId3" imgW="2717800" imgH="457200" progId="Equation.3">
+                <p:oleObj name="Equation" r:id="rId2" imgW="2717800" imgH="457200" progId="Equation.3">
                   <p:embed/>
                 </p:oleObj>
               </mc:Choice>
               <mc:Fallback>
-                <p:oleObj name="Equation" r:id="rId3" imgW="2717800" imgH="457200" progId="Equation.3">
+                <p:oleObj name="Equation" r:id="rId2" imgW="2717800" imgH="457200" progId="Equation.3">
                   <p:embed/>
                   <p:pic>
                     <p:nvPicPr>
@@ -17580,7 +17580,7 @@
                       <p:nvPr/>
                     </p:nvPicPr>
                     <p:blipFill>
-                      <a:blip r:embed="rId4"/>
+                      <a:blip r:embed="rId3"/>
                       <a:stretch>
                         <a:fillRect/>
                       </a:stretch>
@@ -17623,12 +17623,12 @@
           <a:graphicData uri="http://schemas.openxmlformats.org/presentationml/2006/ole">
             <mc:AlternateContent xmlns:mc="http://schemas.openxmlformats.org/markup-compatibility/2006">
               <mc:Choice xmlns:v="urn:schemas-microsoft-com:vml" Requires="v">
-                <p:oleObj spid="_x0000_s117853" name="Equation" r:id="rId5" imgW="2705100" imgH="444500" progId="Equation.3">
+                <p:oleObj name="Equation" r:id="rId4" imgW="2705100" imgH="444500" progId="Equation.3">
                   <p:embed/>
                 </p:oleObj>
               </mc:Choice>
               <mc:Fallback>
-                <p:oleObj name="Equation" r:id="rId5" imgW="2705100" imgH="444500" progId="Equation.3">
+                <p:oleObj name="Equation" r:id="rId4" imgW="2705100" imgH="444500" progId="Equation.3">
                   <p:embed/>
                   <p:pic>
                     <p:nvPicPr>
@@ -17639,7 +17639,7 @@
                       <p:nvPr/>
                     </p:nvPicPr>
                     <p:blipFill>
-                      <a:blip r:embed="rId6"/>
+                      <a:blip r:embed="rId5"/>
                       <a:srcRect/>
                       <a:stretch>
                         <a:fillRect/>
@@ -17656,7 +17656,7 @@
                       <a:noFill/>
                       <a:extLst>
                         <a:ext uri="{909E8E84-426E-40dd-AFC4-6F175D3DCCD1}">
-                          <a14:hiddenFill xmlns:a14="http://schemas.microsoft.com/office/drawing/2010/main" xmlns="">
+                          <a14:hiddenFill xmlns="" xmlns:a14="http://schemas.microsoft.com/office/drawing/2010/main">
                             <a:solidFill>
                               <a:srgbClr val="FFFFFF"/>
                             </a:solidFill>
@@ -17745,12 +17745,12 @@
           <a:graphicData uri="http://schemas.openxmlformats.org/presentationml/2006/ole">
             <mc:AlternateContent xmlns:mc="http://schemas.openxmlformats.org/markup-compatibility/2006">
               <mc:Choice xmlns:v="urn:schemas-microsoft-com:vml" Requires="v">
-                <p:oleObj spid="_x0000_s118831" name="Equation" r:id="rId3" imgW="2540000" imgH="228600" progId="Equation.3">
+                <p:oleObj name="Equation" r:id="rId2" imgW="2540000" imgH="228600" progId="Equation.3">
                   <p:embed/>
                 </p:oleObj>
               </mc:Choice>
               <mc:Fallback>
-                <p:oleObj name="Equation" r:id="rId3" imgW="2540000" imgH="228600" progId="Equation.3">
+                <p:oleObj name="Equation" r:id="rId2" imgW="2540000" imgH="228600" progId="Equation.3">
                   <p:embed/>
                   <p:pic>
                     <p:nvPicPr>
@@ -17759,7 +17759,7 @@
                       <p:nvPr/>
                     </p:nvPicPr>
                     <p:blipFill>
-                      <a:blip r:embed="rId4"/>
+                      <a:blip r:embed="rId3"/>
                       <a:stretch>
                         <a:fillRect/>
                       </a:stretch>
@@ -18433,12 +18433,12 @@
           <a:graphicData uri="http://schemas.openxmlformats.org/presentationml/2006/ole">
             <mc:AlternateContent xmlns:mc="http://schemas.openxmlformats.org/markup-compatibility/2006">
               <mc:Choice xmlns:v="urn:schemas-microsoft-com:vml" Requires="v">
-                <p:oleObj spid="_x0000_s119855" name="Equation" r:id="rId3" imgW="2540000" imgH="228600" progId="Equation.3">
+                <p:oleObj name="Equation" r:id="rId2" imgW="2540000" imgH="228600" progId="Equation.3">
                   <p:embed/>
                 </p:oleObj>
               </mc:Choice>
               <mc:Fallback>
-                <p:oleObj name="Equation" r:id="rId3" imgW="2540000" imgH="228600" progId="Equation.3">
+                <p:oleObj name="Equation" r:id="rId2" imgW="2540000" imgH="228600" progId="Equation.3">
                   <p:embed/>
                   <p:pic>
                     <p:nvPicPr>
@@ -18447,7 +18447,7 @@
                       <p:nvPr/>
                     </p:nvPicPr>
                     <p:blipFill>
-                      <a:blip r:embed="rId4"/>
+                      <a:blip r:embed="rId3"/>
                       <a:stretch>
                         <a:fillRect/>
                       </a:stretch>
@@ -18843,12 +18843,12 @@
           <a:graphicData uri="http://schemas.openxmlformats.org/presentationml/2006/ole">
             <mc:AlternateContent xmlns:mc="http://schemas.openxmlformats.org/markup-compatibility/2006">
               <mc:Choice xmlns:v="urn:schemas-microsoft-com:vml" Requires="v">
-                <p:oleObj spid="_x0000_s121008" name="Equation" r:id="rId3" imgW="2260600" imgH="457200" progId="Equation.3">
+                <p:oleObj name="Equation" r:id="rId2" imgW="2260600" imgH="457200" progId="Equation.3">
                   <p:embed/>
                 </p:oleObj>
               </mc:Choice>
               <mc:Fallback>
-                <p:oleObj name="Equation" r:id="rId3" imgW="2260600" imgH="457200" progId="Equation.3">
+                <p:oleObj name="Equation" r:id="rId2" imgW="2260600" imgH="457200" progId="Equation.3">
                   <p:embed/>
                   <p:pic>
                     <p:nvPicPr>
@@ -18857,7 +18857,7 @@
                       <p:nvPr/>
                     </p:nvPicPr>
                     <p:blipFill>
-                      <a:blip r:embed="rId4"/>
+                      <a:blip r:embed="rId3"/>
                       <a:stretch>
                         <a:fillRect/>
                       </a:stretch>
@@ -18900,12 +18900,12 @@
           <a:graphicData uri="http://schemas.openxmlformats.org/presentationml/2006/ole">
             <mc:AlternateContent xmlns:mc="http://schemas.openxmlformats.org/markup-compatibility/2006">
               <mc:Choice xmlns:v="urn:schemas-microsoft-com:vml" Requires="v">
-                <p:oleObj spid="_x0000_s121009" name="Equation" r:id="rId5" imgW="2044700" imgH="469900" progId="Equation.3">
+                <p:oleObj name="Equation" r:id="rId4" imgW="2044700" imgH="469900" progId="Equation.3">
                   <p:embed/>
                 </p:oleObj>
               </mc:Choice>
               <mc:Fallback>
-                <p:oleObj name="Equation" r:id="rId5" imgW="2044700" imgH="469900" progId="Equation.3">
+                <p:oleObj name="Equation" r:id="rId4" imgW="2044700" imgH="469900" progId="Equation.3">
                   <p:embed/>
                   <p:pic>
                     <p:nvPicPr>
@@ -18914,7 +18914,7 @@
                       <p:nvPr/>
                     </p:nvPicPr>
                     <p:blipFill>
-                      <a:blip r:embed="rId6"/>
+                      <a:blip r:embed="rId5"/>
                       <a:stretch>
                         <a:fillRect/>
                       </a:stretch>
@@ -18957,12 +18957,12 @@
           <a:graphicData uri="http://schemas.openxmlformats.org/presentationml/2006/ole">
             <mc:AlternateContent xmlns:mc="http://schemas.openxmlformats.org/markup-compatibility/2006">
               <mc:Choice xmlns:v="urn:schemas-microsoft-com:vml" Requires="v">
-                <p:oleObj spid="_x0000_s121010" name="Equation" r:id="rId7" imgW="977900" imgH="444500" progId="Equation.3">
+                <p:oleObj name="Equation" r:id="rId6" imgW="977900" imgH="444500" progId="Equation.3">
                   <p:embed/>
                 </p:oleObj>
               </mc:Choice>
               <mc:Fallback>
-                <p:oleObj name="Equation" r:id="rId7" imgW="977900" imgH="444500" progId="Equation.3">
+                <p:oleObj name="Equation" r:id="rId6" imgW="977900" imgH="444500" progId="Equation.3">
                   <p:embed/>
                   <p:pic>
                     <p:nvPicPr>
@@ -18971,7 +18971,7 @@
                       <p:nvPr/>
                     </p:nvPicPr>
                     <p:blipFill>
-                      <a:blip r:embed="rId8"/>
+                      <a:blip r:embed="rId7"/>
                       <a:stretch>
                         <a:fillRect/>
                       </a:stretch>
@@ -19014,12 +19014,12 @@
           <a:graphicData uri="http://schemas.openxmlformats.org/presentationml/2006/ole">
             <mc:AlternateContent xmlns:mc="http://schemas.openxmlformats.org/markup-compatibility/2006">
               <mc:Choice xmlns:v="urn:schemas-microsoft-com:vml" Requires="v">
-                <p:oleObj spid="_x0000_s121011" name="Equation" r:id="rId9" imgW="2527300" imgH="457200" progId="Equation.3">
+                <p:oleObj name="Equation" r:id="rId8" imgW="2527300" imgH="457200" progId="Equation.3">
                   <p:embed/>
                 </p:oleObj>
               </mc:Choice>
               <mc:Fallback>
-                <p:oleObj name="Equation" r:id="rId9" imgW="2527300" imgH="457200" progId="Equation.3">
+                <p:oleObj name="Equation" r:id="rId8" imgW="2527300" imgH="457200" progId="Equation.3">
                   <p:embed/>
                   <p:pic>
                     <p:nvPicPr>
@@ -19028,7 +19028,7 @@
                       <p:nvPr/>
                     </p:nvPicPr>
                     <p:blipFill>
-                      <a:blip r:embed="rId10"/>
+                      <a:blip r:embed="rId9"/>
                       <a:stretch>
                         <a:fillRect/>
                       </a:stretch>
@@ -19156,12 +19156,12 @@
           <a:graphicData uri="http://schemas.openxmlformats.org/presentationml/2006/ole">
             <mc:AlternateContent xmlns:mc="http://schemas.openxmlformats.org/markup-compatibility/2006">
               <mc:Choice xmlns:v="urn:schemas-microsoft-com:vml" Requires="v">
-                <p:oleObj spid="_x0000_s121903" name="Equation" r:id="rId3" imgW="2921000" imgH="228600" progId="Equation.3">
+                <p:oleObj name="Equation" r:id="rId2" imgW="2921000" imgH="228600" progId="Equation.3">
                   <p:embed/>
                 </p:oleObj>
               </mc:Choice>
               <mc:Fallback>
-                <p:oleObj name="Equation" r:id="rId3" imgW="2921000" imgH="228600" progId="Equation.3">
+                <p:oleObj name="Equation" r:id="rId2" imgW="2921000" imgH="228600" progId="Equation.3">
                   <p:embed/>
                   <p:pic>
                     <p:nvPicPr>
@@ -19170,7 +19170,7 @@
                       <p:nvPr/>
                     </p:nvPicPr>
                     <p:blipFill>
-                      <a:blip r:embed="rId4"/>
+                      <a:blip r:embed="rId3"/>
                       <a:stretch>
                         <a:fillRect/>
                       </a:stretch>
@@ -19617,12 +19617,12 @@
           <a:graphicData uri="http://schemas.openxmlformats.org/presentationml/2006/ole">
             <mc:AlternateContent xmlns:mc="http://schemas.openxmlformats.org/markup-compatibility/2006">
               <mc:Choice xmlns:v="urn:schemas-microsoft-com:vml" Requires="v">
-                <p:oleObj spid="_x0000_s122927" name="Equation" r:id="rId3" imgW="2921000" imgH="228600" progId="Equation.3">
+                <p:oleObj name="Equation" r:id="rId2" imgW="2921000" imgH="228600" progId="Equation.3">
                   <p:embed/>
                 </p:oleObj>
               </mc:Choice>
               <mc:Fallback>
-                <p:oleObj name="Equation" r:id="rId3" imgW="2921000" imgH="228600" progId="Equation.3">
+                <p:oleObj name="Equation" r:id="rId2" imgW="2921000" imgH="228600" progId="Equation.3">
                   <p:embed/>
                   <p:pic>
                     <p:nvPicPr>
@@ -19631,7 +19631,7 @@
                       <p:nvPr/>
                     </p:nvPicPr>
                     <p:blipFill>
-                      <a:blip r:embed="rId4"/>
+                      <a:blip r:embed="rId3"/>
                       <a:stretch>
                         <a:fillRect/>
                       </a:stretch>
@@ -20288,12 +20288,12 @@
           <a:graphicData uri="http://schemas.openxmlformats.org/presentationml/2006/ole">
             <mc:AlternateContent xmlns:mc="http://schemas.openxmlformats.org/markup-compatibility/2006">
               <mc:Choice xmlns:v="urn:schemas-microsoft-com:vml" Requires="v">
-                <p:oleObj spid="_x0000_s185360" name="Equation" r:id="rId3" imgW="2705100" imgH="444500" progId="Equation.3">
+                <p:oleObj name="Equation" r:id="rId2" imgW="2705100" imgH="444500" progId="Equation.3">
                   <p:embed/>
                 </p:oleObj>
               </mc:Choice>
               <mc:Fallback>
-                <p:oleObj name="Equation" r:id="rId3" imgW="2705100" imgH="444500" progId="Equation.3">
+                <p:oleObj name="Equation" r:id="rId2" imgW="2705100" imgH="444500" progId="Equation.3">
                   <p:embed/>
                   <p:pic>
                     <p:nvPicPr>
@@ -20304,7 +20304,7 @@
                       <p:nvPr/>
                     </p:nvPicPr>
                     <p:blipFill>
-                      <a:blip r:embed="rId4"/>
+                      <a:blip r:embed="rId3"/>
                       <a:srcRect/>
                       <a:stretch>
                         <a:fillRect/>
@@ -20321,7 +20321,7 @@
                       <a:noFill/>
                       <a:extLst>
                         <a:ext uri="{909E8E84-426E-40dd-AFC4-6F175D3DCCD1}">
-                          <a14:hiddenFill xmlns:a14="http://schemas.microsoft.com/office/drawing/2010/main" xmlns="">
+                          <a14:hiddenFill xmlns="" xmlns:a14="http://schemas.microsoft.com/office/drawing/2010/main">
                             <a:solidFill>
                               <a:srgbClr val="FFFFFF"/>
                             </a:solidFill>
@@ -20485,12 +20485,12 @@
           <a:graphicData uri="http://schemas.openxmlformats.org/presentationml/2006/ole">
             <mc:AlternateContent xmlns:mc="http://schemas.openxmlformats.org/markup-compatibility/2006">
               <mc:Choice xmlns:v="urn:schemas-microsoft-com:vml" Requires="v">
-                <p:oleObj spid="_x0000_s124037" name="Equation" r:id="rId4" imgW="2540000" imgH="228600" progId="Equation.3">
+                <p:oleObj name="Equation" r:id="rId3" imgW="2540000" imgH="228600" progId="Equation.3">
                   <p:embed/>
                 </p:oleObj>
               </mc:Choice>
               <mc:Fallback>
-                <p:oleObj name="Equation" r:id="rId4" imgW="2540000" imgH="228600" progId="Equation.3">
+                <p:oleObj name="Equation" r:id="rId3" imgW="2540000" imgH="228600" progId="Equation.3">
                   <p:embed/>
                   <p:pic>
                     <p:nvPicPr>
@@ -20499,7 +20499,7 @@
                       <p:nvPr/>
                     </p:nvPicPr>
                     <p:blipFill>
-                      <a:blip r:embed="rId5"/>
+                      <a:blip r:embed="rId4"/>
                       <a:stretch>
                         <a:fillRect/>
                       </a:stretch>
@@ -20542,12 +20542,12 @@
           <a:graphicData uri="http://schemas.openxmlformats.org/presentationml/2006/ole">
             <mc:AlternateContent xmlns:mc="http://schemas.openxmlformats.org/markup-compatibility/2006">
               <mc:Choice xmlns:v="urn:schemas-microsoft-com:vml" Requires="v">
-                <p:oleObj spid="_x0000_s124038" name="Equation" r:id="rId6" imgW="2184400" imgH="228600" progId="Equation.3">
+                <p:oleObj name="Equation" r:id="rId5" imgW="2184400" imgH="228600" progId="Equation.3">
                   <p:embed/>
                 </p:oleObj>
               </mc:Choice>
               <mc:Fallback>
-                <p:oleObj name="Equation" r:id="rId6" imgW="2184400" imgH="228600" progId="Equation.3">
+                <p:oleObj name="Equation" r:id="rId5" imgW="2184400" imgH="228600" progId="Equation.3">
                   <p:embed/>
                   <p:pic>
                     <p:nvPicPr>
@@ -20556,7 +20556,7 @@
                       <p:nvPr/>
                     </p:nvPicPr>
                     <p:blipFill>
-                      <a:blip r:embed="rId7"/>
+                      <a:blip r:embed="rId6"/>
                       <a:stretch>
                         <a:fillRect/>
                       </a:stretch>
@@ -20599,12 +20599,12 @@
           <a:graphicData uri="http://schemas.openxmlformats.org/presentationml/2006/ole">
             <mc:AlternateContent xmlns:mc="http://schemas.openxmlformats.org/markup-compatibility/2006">
               <mc:Choice xmlns:v="urn:schemas-microsoft-com:vml" Requires="v">
-                <p:oleObj spid="_x0000_s124039" name="Equation" r:id="rId8" imgW="2349500" imgH="254000" progId="Equation.3">
+                <p:oleObj name="Equation" r:id="rId7" imgW="2349500" imgH="254000" progId="Equation.3">
                   <p:embed/>
                 </p:oleObj>
               </mc:Choice>
               <mc:Fallback>
-                <p:oleObj name="Equation" r:id="rId8" imgW="2349500" imgH="254000" progId="Equation.3">
+                <p:oleObj name="Equation" r:id="rId7" imgW="2349500" imgH="254000" progId="Equation.3">
                   <p:embed/>
                   <p:pic>
                     <p:nvPicPr>
@@ -20613,7 +20613,7 @@
                       <p:nvPr/>
                     </p:nvPicPr>
                     <p:blipFill>
-                      <a:blip r:embed="rId9"/>
+                      <a:blip r:embed="rId8"/>
                       <a:stretch>
                         <a:fillRect/>
                       </a:stretch>
@@ -20949,12 +20949,12 @@
           <a:graphicData uri="http://schemas.openxmlformats.org/presentationml/2006/ole">
             <mc:AlternateContent xmlns:mc="http://schemas.openxmlformats.org/markup-compatibility/2006">
               <mc:Choice xmlns:v="urn:schemas-microsoft-com:vml" Requires="v">
-                <p:oleObj spid="_x0000_s186402" name="Equation" r:id="rId3" imgW="1384300" imgH="215900" progId="Equation.3">
+                <p:oleObj name="Equation" r:id="rId2" imgW="1384300" imgH="215900" progId="Equation.3">
                   <p:embed/>
                 </p:oleObj>
               </mc:Choice>
               <mc:Fallback>
-                <p:oleObj name="Equation" r:id="rId3" imgW="1384300" imgH="215900" progId="Equation.3">
+                <p:oleObj name="Equation" r:id="rId2" imgW="1384300" imgH="215900" progId="Equation.3">
                   <p:embed/>
                   <p:pic>
                     <p:nvPicPr>
@@ -20965,7 +20965,7 @@
                       <p:nvPr/>
                     </p:nvPicPr>
                     <p:blipFill>
-                      <a:blip r:embed="rId4"/>
+                      <a:blip r:embed="rId3"/>
                       <a:srcRect/>
                       <a:stretch>
                         <a:fillRect/>
@@ -20982,7 +20982,7 @@
                       <a:noFill/>
                       <a:extLst>
                         <a:ext uri="{909E8E84-426E-40dd-AFC4-6F175D3DCCD1}">
-                          <a14:hiddenFill xmlns:a14="http://schemas.microsoft.com/office/drawing/2010/main" xmlns="">
+                          <a14:hiddenFill xmlns="" xmlns:a14="http://schemas.microsoft.com/office/drawing/2010/main">
                             <a:solidFill>
                               <a:srgbClr val="FFFFFF"/>
                             </a:solidFill>
@@ -21019,12 +21019,12 @@
           <a:graphicData uri="http://schemas.openxmlformats.org/presentationml/2006/ole">
             <mc:AlternateContent xmlns:mc="http://schemas.openxmlformats.org/markup-compatibility/2006">
               <mc:Choice xmlns:v="urn:schemas-microsoft-com:vml" Requires="v">
-                <p:oleObj spid="_x0000_s186403" name="Equation" r:id="rId5" imgW="787400" imgH="203200" progId="Equation.3">
+                <p:oleObj name="Equation" r:id="rId4" imgW="787400" imgH="203200" progId="Equation.3">
                   <p:embed/>
                 </p:oleObj>
               </mc:Choice>
               <mc:Fallback>
-                <p:oleObj name="Equation" r:id="rId5" imgW="787400" imgH="203200" progId="Equation.3">
+                <p:oleObj name="Equation" r:id="rId4" imgW="787400" imgH="203200" progId="Equation.3">
                   <p:embed/>
                   <p:pic>
                     <p:nvPicPr>
@@ -21035,7 +21035,7 @@
                       <p:nvPr/>
                     </p:nvPicPr>
                     <p:blipFill>
-                      <a:blip r:embed="rId6"/>
+                      <a:blip r:embed="rId5"/>
                       <a:srcRect/>
                       <a:stretch>
                         <a:fillRect/>
@@ -21052,7 +21052,7 @@
                       <a:noFill/>
                       <a:extLst>
                         <a:ext uri="{909E8E84-426E-40dd-AFC4-6F175D3DCCD1}">
-                          <a14:hiddenFill xmlns:a14="http://schemas.microsoft.com/office/drawing/2010/main" xmlns="">
+                          <a14:hiddenFill xmlns="" xmlns:a14="http://schemas.microsoft.com/office/drawing/2010/main">
                             <a:solidFill>
                               <a:srgbClr val="FFFFFF"/>
                             </a:solidFill>
@@ -21185,8 +21185,8 @@
           </a:p>
         </p:txBody>
       </p:sp>
-      <mc:AlternateContent xmlns:mc="http://schemas.openxmlformats.org/markup-compatibility/2006">
-        <mc:Choice xmlns:a14="http://schemas.microsoft.com/office/drawing/2010/main" Requires="a14">
+      <mc:AlternateContent xmlns:mc="http://schemas.openxmlformats.org/markup-compatibility/2006" xmlns:a14="http://schemas.microsoft.com/office/drawing/2010/main">
+        <mc:Choice Requires="a14">
           <p:sp>
             <p:nvSpPr>
               <p:cNvPr id="3" name="TextBox 2">
@@ -21283,28 +21283,14 @@
                         <a:latin typeface="Cambria Math" panose="02040503050406030204" pitchFamily="18" charset="0"/>
                         <a:ea typeface="Cambria Math" panose="02040503050406030204" pitchFamily="18" charset="0"/>
                       </a:rPr>
-                      <m:t>𝑦𝑖</m:t>
-                    </m:r>
-                    <m:r>
-                      <a:rPr lang="en-US" sz="2400" b="0" i="1" dirty="0" smtClean="0">
-                        <a:latin typeface="Cambria Math" panose="02040503050406030204" pitchFamily="18" charset="0"/>
-                        <a:ea typeface="Cambria Math" panose="02040503050406030204" pitchFamily="18" charset="0"/>
-                      </a:rPr>
-                      <m:t>𝑥</m:t>
+                      <m:t>𝑦𝑖𝑥𝑖</m:t>
                     </m:r>
                     <m:r>
                       <a:rPr lang="en-US" sz="2400" b="0" i="1" baseline="-25000" dirty="0" smtClean="0">
                         <a:latin typeface="Cambria Math" panose="02040503050406030204" pitchFamily="18" charset="0"/>
                         <a:ea typeface="Cambria Math" panose="02040503050406030204" pitchFamily="18" charset="0"/>
                       </a:rPr>
-                      <m:t>𝑖𝑗</m:t>
-                    </m:r>
-                    <m:r>
-                      <a:rPr lang="en-US" sz="2400" b="0" i="1" dirty="0" smtClean="0">
-                        <a:latin typeface="Cambria Math" panose="02040503050406030204" pitchFamily="18" charset="0"/>
-                        <a:ea typeface="Cambria Math" panose="02040503050406030204" pitchFamily="18" charset="0"/>
-                      </a:rPr>
-                      <m:t>𝑐</m:t>
+                      <m:t>𝑗𝑐</m:t>
                     </m:r>
                     <m:r>
                       <a:rPr lang="en-US" sz="2400" b="0" i="1" dirty="0" smtClean="0">
@@ -21341,7 +21327,7 @@
             </p:txBody>
           </p:sp>
         </mc:Choice>
-        <mc:Fallback>
+        <mc:Fallback xmlns="">
           <p:sp>
             <p:nvSpPr>
               <p:cNvPr id="3" name="TextBox 2">
@@ -21425,8 +21411,8 @@
           </a:fontRef>
         </p:style>
       </p:cxnSp>
-      <mc:AlternateContent xmlns:mc="http://schemas.openxmlformats.org/markup-compatibility/2006">
-        <mc:Choice xmlns:a14="http://schemas.microsoft.com/office/drawing/2010/main" Requires="a14">
+      <mc:AlternateContent xmlns:mc="http://schemas.openxmlformats.org/markup-compatibility/2006" xmlns:a14="http://schemas.microsoft.com/office/drawing/2010/main">
+        <mc:Choice Requires="a14">
           <p:sp>
             <p:nvSpPr>
               <p:cNvPr id="13" name="TextBox 12">
@@ -21455,6 +21441,7 @@
               </a:bodyPr>
               <a:lstStyle/>
               <a:p>
+                <a:pPr/>
                 <a14:m>
                   <m:oMathPara xmlns:m="http://schemas.openxmlformats.org/officeDocument/2006/math">
                     <m:oMathParaPr>
@@ -21505,7 +21492,7 @@
             </p:txBody>
           </p:sp>
         </mc:Choice>
-        <mc:Fallback>
+        <mc:Fallback xmlns="">
           <p:sp>
             <p:nvSpPr>
               <p:cNvPr id="13" name="TextBox 12">
@@ -21550,8 +21537,8 @@
           </p:sp>
         </mc:Fallback>
       </mc:AlternateContent>
-      <mc:AlternateContent xmlns:mc="http://schemas.openxmlformats.org/markup-compatibility/2006">
-        <mc:Choice xmlns:a14="http://schemas.microsoft.com/office/drawing/2010/main" Requires="a14">
+      <mc:AlternateContent xmlns:mc="http://schemas.openxmlformats.org/markup-compatibility/2006" xmlns:a14="http://schemas.microsoft.com/office/drawing/2010/main">
+        <mc:Choice Requires="a14">
           <p:sp>
             <p:nvSpPr>
               <p:cNvPr id="18" name="TextBox 17">
@@ -21580,6 +21567,7 @@
               </a:bodyPr>
               <a:lstStyle/>
               <a:p>
+                <a:pPr/>
                 <a14:m>
                   <m:oMathPara xmlns:m="http://schemas.openxmlformats.org/officeDocument/2006/math">
                     <m:oMathParaPr>
@@ -21612,7 +21600,7 @@
             </p:txBody>
           </p:sp>
         </mc:Choice>
-        <mc:Fallback>
+        <mc:Fallback xmlns="">
           <p:sp>
             <p:nvSpPr>
               <p:cNvPr id="18" name="TextBox 17">
@@ -21727,8 +21715,8 @@
           </a:p>
         </p:txBody>
       </p:sp>
-      <mc:AlternateContent xmlns:mc="http://schemas.openxmlformats.org/markup-compatibility/2006">
-        <mc:Choice xmlns:a14="http://schemas.microsoft.com/office/drawing/2010/main" Requires="a14">
+      <mc:AlternateContent xmlns:mc="http://schemas.openxmlformats.org/markup-compatibility/2006" xmlns:a14="http://schemas.microsoft.com/office/drawing/2010/main">
+        <mc:Choice Requires="a14">
           <p:sp>
             <p:nvSpPr>
               <p:cNvPr id="22" name="TextBox 21">
@@ -21930,7 +21918,7 @@
             </p:txBody>
           </p:sp>
         </mc:Choice>
-        <mc:Fallback>
+        <mc:Fallback xmlns="">
           <p:sp>
             <p:nvSpPr>
               <p:cNvPr id="22" name="TextBox 21">
@@ -22174,8 +22162,8 @@
           </a:p>
         </p:txBody>
       </p:sp>
-      <mc:AlternateContent xmlns:mc="http://schemas.openxmlformats.org/markup-compatibility/2006">
-        <mc:Choice xmlns:a14="http://schemas.microsoft.com/office/drawing/2010/main" Requires="a14">
+      <mc:AlternateContent xmlns:mc="http://schemas.openxmlformats.org/markup-compatibility/2006" xmlns:a14="http://schemas.microsoft.com/office/drawing/2010/main">
+        <mc:Choice Requires="a14">
           <p:sp>
             <p:nvSpPr>
               <p:cNvPr id="6" name="TextBox 5">
@@ -22272,28 +22260,14 @@
                         <a:latin typeface="Cambria Math" panose="02040503050406030204" pitchFamily="18" charset="0"/>
                         <a:ea typeface="Cambria Math" panose="02040503050406030204" pitchFamily="18" charset="0"/>
                       </a:rPr>
-                      <m:t>𝑦𝑖</m:t>
-                    </m:r>
-                    <m:r>
-                      <a:rPr lang="en-US" sz="2400" b="0" i="1" dirty="0" smtClean="0">
-                        <a:latin typeface="Cambria Math" panose="02040503050406030204" pitchFamily="18" charset="0"/>
-                        <a:ea typeface="Cambria Math" panose="02040503050406030204" pitchFamily="18" charset="0"/>
-                      </a:rPr>
-                      <m:t>𝑥</m:t>
+                      <m:t>𝑦𝑖𝑥𝑖</m:t>
                     </m:r>
                     <m:r>
                       <a:rPr lang="en-US" sz="2400" b="0" i="1" baseline="-25000" dirty="0" smtClean="0">
                         <a:latin typeface="Cambria Math" panose="02040503050406030204" pitchFamily="18" charset="0"/>
                         <a:ea typeface="Cambria Math" panose="02040503050406030204" pitchFamily="18" charset="0"/>
                       </a:rPr>
-                      <m:t>𝑖𝑗</m:t>
-                    </m:r>
-                    <m:r>
-                      <a:rPr lang="en-US" sz="2400" b="0" i="1" dirty="0" smtClean="0">
-                        <a:latin typeface="Cambria Math" panose="02040503050406030204" pitchFamily="18" charset="0"/>
-                        <a:ea typeface="Cambria Math" panose="02040503050406030204" pitchFamily="18" charset="0"/>
-                      </a:rPr>
-                      <m:t>𝑐</m:t>
+                      <m:t>𝑗𝑐</m:t>
                     </m:r>
                     <m:r>
                       <a:rPr lang="en-US" sz="2400" b="0" i="1" dirty="0" smtClean="0">
@@ -22330,7 +22304,7 @@
             </p:txBody>
           </p:sp>
         </mc:Choice>
-        <mc:Fallback>
+        <mc:Fallback xmlns="">
           <p:sp>
             <p:nvSpPr>
               <p:cNvPr id="6" name="TextBox 5">
@@ -22495,8 +22469,8 @@
           </a:p>
         </p:txBody>
       </p:sp>
-      <mc:AlternateContent xmlns:mc="http://schemas.openxmlformats.org/markup-compatibility/2006">
-        <mc:Choice xmlns:a14="http://schemas.microsoft.com/office/drawing/2010/main" Requires="a14">
+      <mc:AlternateContent xmlns:mc="http://schemas.openxmlformats.org/markup-compatibility/2006" xmlns:a14="http://schemas.microsoft.com/office/drawing/2010/main">
+        <mc:Choice Requires="a14">
           <p:sp>
             <p:nvSpPr>
               <p:cNvPr id="5" name="TextBox 4">
@@ -22593,28 +22567,14 @@
                         <a:latin typeface="Cambria Math" panose="02040503050406030204" pitchFamily="18" charset="0"/>
                         <a:ea typeface="Cambria Math" panose="02040503050406030204" pitchFamily="18" charset="0"/>
                       </a:rPr>
-                      <m:t>𝑦𝑖</m:t>
-                    </m:r>
-                    <m:r>
-                      <a:rPr lang="en-US" sz="2400" b="0" i="1" dirty="0" smtClean="0">
-                        <a:latin typeface="Cambria Math" panose="02040503050406030204" pitchFamily="18" charset="0"/>
-                        <a:ea typeface="Cambria Math" panose="02040503050406030204" pitchFamily="18" charset="0"/>
-                      </a:rPr>
-                      <m:t>𝑥</m:t>
+                      <m:t>𝑦𝑖𝑥𝑖</m:t>
                     </m:r>
                     <m:r>
                       <a:rPr lang="en-US" sz="2400" b="0" i="1" baseline="-25000" dirty="0" smtClean="0">
                         <a:latin typeface="Cambria Math" panose="02040503050406030204" pitchFamily="18" charset="0"/>
                         <a:ea typeface="Cambria Math" panose="02040503050406030204" pitchFamily="18" charset="0"/>
                       </a:rPr>
-                      <m:t>𝑖𝑗</m:t>
-                    </m:r>
-                    <m:r>
-                      <a:rPr lang="en-US" sz="2400" b="0" i="1" dirty="0" smtClean="0">
-                        <a:latin typeface="Cambria Math" panose="02040503050406030204" pitchFamily="18" charset="0"/>
-                        <a:ea typeface="Cambria Math" panose="02040503050406030204" pitchFamily="18" charset="0"/>
-                      </a:rPr>
-                      <m:t>𝑐</m:t>
+                      <m:t>𝑗𝑐</m:t>
                     </m:r>
                     <m:r>
                       <a:rPr lang="en-US" sz="2400" b="0" i="1" dirty="0" smtClean="0">
@@ -22651,7 +22611,7 @@
             </p:txBody>
           </p:sp>
         </mc:Choice>
-        <mc:Fallback>
+        <mc:Fallback xmlns="">
           <p:sp>
             <p:nvSpPr>
               <p:cNvPr id="5" name="TextBox 4">
@@ -22808,12 +22768,12 @@
           <a:graphicData uri="http://schemas.openxmlformats.org/presentationml/2006/ole">
             <mc:AlternateContent xmlns:mc="http://schemas.openxmlformats.org/markup-compatibility/2006">
               <mc:Choice xmlns:v="urn:schemas-microsoft-com:vml" Requires="v">
-                <p:oleObj spid="_x0000_s133152" name="Equation" r:id="rId4" imgW="2438400" imgH="457200" progId="Equation.3">
+                <p:oleObj name="Equation" r:id="rId3" imgW="2438400" imgH="457200" progId="Equation.3">
                   <p:embed/>
                 </p:oleObj>
               </mc:Choice>
               <mc:Fallback>
-                <p:oleObj name="Equation" r:id="rId4" imgW="2438400" imgH="457200" progId="Equation.3">
+                <p:oleObj name="Equation" r:id="rId3" imgW="2438400" imgH="457200" progId="Equation.3">
                   <p:embed/>
                   <p:pic>
                     <p:nvPicPr>
@@ -22822,7 +22782,7 @@
                       <p:nvPr/>
                     </p:nvPicPr>
                     <p:blipFill>
-                      <a:blip r:embed="rId5"/>
+                      <a:blip r:embed="rId4"/>
                       <a:stretch>
                         <a:fillRect/>
                       </a:stretch>
@@ -23264,12 +23224,12 @@
           <a:graphicData uri="http://schemas.openxmlformats.org/presentationml/2006/ole">
             <mc:AlternateContent xmlns:mc="http://schemas.openxmlformats.org/markup-compatibility/2006">
               <mc:Choice xmlns:v="urn:schemas-microsoft-com:vml" Requires="v">
-                <p:oleObj spid="_x0000_s125104" name="Equation" r:id="rId3" imgW="1028700" imgH="228600" progId="Equation.3">
+                <p:oleObj name="Equation" r:id="rId2" imgW="1028700" imgH="228600" progId="Equation.3">
                   <p:embed/>
                 </p:oleObj>
               </mc:Choice>
               <mc:Fallback>
-                <p:oleObj name="Equation" r:id="rId3" imgW="1028700" imgH="228600" progId="Equation.3">
+                <p:oleObj name="Equation" r:id="rId2" imgW="1028700" imgH="228600" progId="Equation.3">
                   <p:embed/>
                   <p:pic>
                     <p:nvPicPr>
@@ -23280,7 +23240,7 @@
                       <p:nvPr/>
                     </p:nvPicPr>
                     <p:blipFill>
-                      <a:blip r:embed="rId4"/>
+                      <a:blip r:embed="rId3"/>
                       <a:srcRect/>
                       <a:stretch>
                         <a:fillRect/>
@@ -23383,12 +23343,12 @@
           <a:graphicData uri="http://schemas.openxmlformats.org/presentationml/2006/ole">
             <mc:AlternateContent xmlns:mc="http://schemas.openxmlformats.org/markup-compatibility/2006">
               <mc:Choice xmlns:v="urn:schemas-microsoft-com:vml" Requires="v">
-                <p:oleObj spid="_x0000_s125105" name="Equation" r:id="rId5" imgW="1384300" imgH="215900" progId="Equation.3">
+                <p:oleObj name="Equation" r:id="rId4" imgW="1384300" imgH="215900" progId="Equation.3">
                   <p:embed/>
                 </p:oleObj>
               </mc:Choice>
               <mc:Fallback>
-                <p:oleObj name="Equation" r:id="rId5" imgW="1384300" imgH="215900" progId="Equation.3">
+                <p:oleObj name="Equation" r:id="rId4" imgW="1384300" imgH="215900" progId="Equation.3">
                   <p:embed/>
                   <p:pic>
                     <p:nvPicPr>
@@ -23399,7 +23359,7 @@
                       <p:nvPr/>
                     </p:nvPicPr>
                     <p:blipFill>
-                      <a:blip r:embed="rId6"/>
+                      <a:blip r:embed="rId5"/>
                       <a:srcRect/>
                       <a:stretch>
                         <a:fillRect/>
@@ -23416,7 +23376,7 @@
                       <a:noFill/>
                       <a:extLst>
                         <a:ext uri="{909E8E84-426E-40dd-AFC4-6F175D3DCCD1}">
-                          <a14:hiddenFill xmlns:a14="http://schemas.microsoft.com/office/drawing/2010/main" xmlns="">
+                          <a14:hiddenFill xmlns="" xmlns:a14="http://schemas.microsoft.com/office/drawing/2010/main">
                             <a:solidFill>
                               <a:srgbClr val="FFFFFF"/>
                             </a:solidFill>
@@ -23453,12 +23413,12 @@
           <a:graphicData uri="http://schemas.openxmlformats.org/presentationml/2006/ole">
             <mc:AlternateContent xmlns:mc="http://schemas.openxmlformats.org/markup-compatibility/2006">
               <mc:Choice xmlns:v="urn:schemas-microsoft-com:vml" Requires="v">
-                <p:oleObj spid="_x0000_s125106" name="Equation" r:id="rId7" imgW="787400" imgH="203200" progId="Equation.3">
+                <p:oleObj name="Equation" r:id="rId6" imgW="787400" imgH="203200" progId="Equation.3">
                   <p:embed/>
                 </p:oleObj>
               </mc:Choice>
               <mc:Fallback>
-                <p:oleObj name="Equation" r:id="rId7" imgW="787400" imgH="203200" progId="Equation.3">
+                <p:oleObj name="Equation" r:id="rId6" imgW="787400" imgH="203200" progId="Equation.3">
                   <p:embed/>
                   <p:pic>
                     <p:nvPicPr>
@@ -23469,7 +23429,7 @@
                       <p:nvPr/>
                     </p:nvPicPr>
                     <p:blipFill>
-                      <a:blip r:embed="rId8"/>
+                      <a:blip r:embed="rId7"/>
                       <a:srcRect/>
                       <a:stretch>
                         <a:fillRect/>
@@ -23486,7 +23446,7 @@
                       <a:noFill/>
                       <a:extLst>
                         <a:ext uri="{909E8E84-426E-40dd-AFC4-6F175D3DCCD1}">
-                          <a14:hiddenFill xmlns:a14="http://schemas.microsoft.com/office/drawing/2010/main" xmlns="">
+                          <a14:hiddenFill xmlns="" xmlns:a14="http://schemas.microsoft.com/office/drawing/2010/main">
                             <a:solidFill>
                               <a:srgbClr val="FFFFFF"/>
                             </a:solidFill>
@@ -23642,12 +23602,12 @@
           <a:graphicData uri="http://schemas.openxmlformats.org/presentationml/2006/ole">
             <mc:AlternateContent xmlns:mc="http://schemas.openxmlformats.org/markup-compatibility/2006">
               <mc:Choice xmlns:v="urn:schemas-microsoft-com:vml" Requires="v">
-                <p:oleObj spid="_x0000_s125107" name="Equation" r:id="rId9" imgW="1816100" imgH="228600" progId="Equation.3">
+                <p:oleObj name="Equation" r:id="rId8" imgW="1816100" imgH="228600" progId="Equation.3">
                   <p:embed/>
                 </p:oleObj>
               </mc:Choice>
               <mc:Fallback>
-                <p:oleObj name="Equation" r:id="rId9" imgW="1816100" imgH="228600" progId="Equation.3">
+                <p:oleObj name="Equation" r:id="rId8" imgW="1816100" imgH="228600" progId="Equation.3">
                   <p:embed/>
                   <p:pic>
                     <p:nvPicPr>
@@ -23658,7 +23618,7 @@
                       <p:nvPr/>
                     </p:nvPicPr>
                     <p:blipFill>
-                      <a:blip r:embed="rId10"/>
+                      <a:blip r:embed="rId9"/>
                       <a:srcRect/>
                       <a:stretch>
                         <a:fillRect/>

--- a/Lectures/Lecture 10_Regularization.pptx
+++ b/Lectures/Lecture 10_Regularization.pptx
@@ -264,7 +264,7 @@
           <a:p>
             <a:fld id="{3FE918EF-26F2-F641-9B39-65E2E78847ED}" type="datetimeFigureOut">
               <a:rPr lang="en-US" smtClean="0"/>
-              <a:t>10/6/23</a:t>
+              <a:t>10/13/23</a:t>
             </a:fld>
             <a:endParaRPr lang="en-US"/>
           </a:p>
@@ -1826,7 +1826,7 @@
             <a:fld id="{23A271A1-F6D6-438B-A432-4747EE7ECD40}" type="datetimeFigureOut">
               <a:rPr lang="en-US" smtClean="0"/>
               <a:pPr algn="ctr" eaLnBrk="1" latinLnBrk="0" hangingPunct="1"/>
-              <a:t>10/6/23</a:t>
+              <a:t>10/13/23</a:t>
             </a:fld>
             <a:endParaRPr lang="en-US" sz="2000" dirty="0">
               <a:solidFill>
@@ -2032,7 +2032,7 @@
             <a:fld id="{23A271A1-F6D6-438B-A432-4747EE7ECD40}" type="datetimeFigureOut">
               <a:rPr lang="en-US" smtClean="0"/>
               <a:pPr eaLnBrk="1" latinLnBrk="0" hangingPunct="1"/>
-              <a:t>10/6/23</a:t>
+              <a:t>10/13/23</a:t>
             </a:fld>
             <a:endParaRPr lang="en-US"/>
           </a:p>
@@ -2219,7 +2219,7 @@
             <a:fld id="{23A271A1-F6D6-438B-A432-4747EE7ECD40}" type="datetimeFigureOut">
               <a:rPr lang="en-US" smtClean="0"/>
               <a:pPr eaLnBrk="1" latinLnBrk="0" hangingPunct="1"/>
-              <a:t>10/6/23</a:t>
+              <a:t>10/13/23</a:t>
             </a:fld>
             <a:endParaRPr lang="en-US" dirty="0"/>
           </a:p>
@@ -2484,7 +2484,7 @@
             <a:fld id="{23A271A1-F6D6-438B-A432-4747EE7ECD40}" type="datetimeFigureOut">
               <a:rPr lang="en-US" smtClean="0"/>
               <a:pPr eaLnBrk="1" latinLnBrk="0" hangingPunct="1"/>
-              <a:t>10/6/23</a:t>
+              <a:t>10/13/23</a:t>
             </a:fld>
             <a:endParaRPr lang="en-US" dirty="0"/>
           </a:p>
@@ -2906,7 +2906,7 @@
             <a:fld id="{23A271A1-F6D6-438B-A432-4747EE7ECD40}" type="datetimeFigureOut">
               <a:rPr lang="en-US" smtClean="0"/>
               <a:pPr eaLnBrk="1" latinLnBrk="0" hangingPunct="1"/>
-              <a:t>10/6/23</a:t>
+              <a:t>10/13/23</a:t>
             </a:fld>
             <a:endParaRPr lang="en-US"/>
           </a:p>
@@ -3155,7 +3155,7 @@
             <a:fld id="{23A271A1-F6D6-438B-A432-4747EE7ECD40}" type="datetimeFigureOut">
               <a:rPr lang="en-US" smtClean="0"/>
               <a:pPr eaLnBrk="1" latinLnBrk="0" hangingPunct="1"/>
-              <a:t>10/6/23</a:t>
+              <a:t>10/13/23</a:t>
             </a:fld>
             <a:endParaRPr lang="en-US"/>
           </a:p>
@@ -3394,7 +3394,7 @@
             <a:fld id="{23A271A1-F6D6-438B-A432-4747EE7ECD40}" type="datetimeFigureOut">
               <a:rPr lang="en-US" smtClean="0"/>
               <a:pPr eaLnBrk="1" latinLnBrk="0" hangingPunct="1"/>
-              <a:t>10/6/23</a:t>
+              <a:t>10/13/23</a:t>
             </a:fld>
             <a:endParaRPr lang="en-US"/>
           </a:p>
@@ -3592,7 +3592,7 @@
             <a:fld id="{23A271A1-F6D6-438B-A432-4747EE7ECD40}" type="datetimeFigureOut">
               <a:rPr lang="en-US" smtClean="0"/>
               <a:pPr eaLnBrk="1" latinLnBrk="0" hangingPunct="1"/>
-              <a:t>10/6/23</a:t>
+              <a:t>10/13/23</a:t>
             </a:fld>
             <a:endParaRPr lang="en-US"/>
           </a:p>
@@ -3697,7 +3697,7 @@
             <a:fld id="{23A271A1-F6D6-438B-A432-4747EE7ECD40}" type="datetimeFigureOut">
               <a:rPr lang="en-US" smtClean="0"/>
               <a:pPr eaLnBrk="1" latinLnBrk="0" hangingPunct="1"/>
-              <a:t>10/6/23</a:t>
+              <a:t>10/13/23</a:t>
             </a:fld>
             <a:endParaRPr lang="en-US"/>
           </a:p>
@@ -3839,7 +3839,7 @@
             <a:fld id="{23A271A1-F6D6-438B-A432-4747EE7ECD40}" type="datetimeFigureOut">
               <a:rPr lang="en-US" smtClean="0"/>
               <a:pPr eaLnBrk="1" latinLnBrk="0" hangingPunct="1"/>
-              <a:t>10/6/23</a:t>
+              <a:t>10/13/23</a:t>
             </a:fld>
             <a:endParaRPr lang="en-US"/>
           </a:p>
@@ -4363,7 +4363,7 @@
             <a:fld id="{23A271A1-F6D6-438B-A432-4747EE7ECD40}" type="datetimeFigureOut">
               <a:rPr lang="en-US" smtClean="0"/>
               <a:pPr eaLnBrk="1" latinLnBrk="0" hangingPunct="1"/>
-              <a:t>10/6/23</a:t>
+              <a:t>10/13/23</a:t>
             </a:fld>
             <a:endParaRPr lang="en-US"/>
           </a:p>
@@ -4626,7 +4626,7 @@
             <a:fld id="{23A271A1-F6D6-438B-A432-4747EE7ECD40}" type="datetimeFigureOut">
               <a:rPr lang="en-US" smtClean="0"/>
               <a:pPr eaLnBrk="1" latinLnBrk="0" hangingPunct="1"/>
-              <a:t>10/6/23</a:t>
+              <a:t>10/13/23</a:t>
             </a:fld>
             <a:endParaRPr lang="en-US" sz="1400" dirty="0">
               <a:solidFill>
@@ -6989,7 +6989,7 @@
                       <a:noFill/>
                       <a:extLst>
                         <a:ext uri="{909E8E84-426E-40dd-AFC4-6F175D3DCCD1}">
-                          <a14:hiddenFill xmlns="" xmlns:a14="http://schemas.microsoft.com/office/drawing/2010/main">
+                          <a14:hiddenFill xmlns:a14="http://schemas.microsoft.com/office/drawing/2010/main" xmlns="">
                             <a:solidFill>
                               <a:srgbClr val="FFFFFF"/>
                             </a:solidFill>
@@ -7362,7 +7362,7 @@
                       <a:noFill/>
                       <a:extLst>
                         <a:ext uri="{909E8E84-426E-40dd-AFC4-6F175D3DCCD1}">
-                          <a14:hiddenFill xmlns="" xmlns:a14="http://schemas.microsoft.com/office/drawing/2010/main">
+                          <a14:hiddenFill xmlns:a14="http://schemas.microsoft.com/office/drawing/2010/main" xmlns="">
                             <a:solidFill>
                               <a:srgbClr val="FFFFFF"/>
                             </a:solidFill>
@@ -7463,7 +7463,7 @@
                       <a:noFill/>
                       <a:extLst>
                         <a:ext uri="{909E8E84-426E-40dd-AFC4-6F175D3DCCD1}">
-                          <a14:hiddenFill xmlns="" xmlns:a14="http://schemas.microsoft.com/office/drawing/2010/main">
+                          <a14:hiddenFill xmlns:a14="http://schemas.microsoft.com/office/drawing/2010/main" xmlns="">
                             <a:solidFill>
                               <a:srgbClr val="FFFFFF"/>
                             </a:solidFill>
@@ -7591,7 +7591,7 @@
                       <a:noFill/>
                       <a:extLst>
                         <a:ext uri="{909E8E84-426E-40dd-AFC4-6F175D3DCCD1}">
-                          <a14:hiddenFill xmlns="" xmlns:a14="http://schemas.microsoft.com/office/drawing/2010/main">
+                          <a14:hiddenFill xmlns:a14="http://schemas.microsoft.com/office/drawing/2010/main" xmlns="">
                             <a:solidFill>
                               <a:srgbClr val="FFFFFF"/>
                             </a:solidFill>
@@ -7789,7 +7789,7 @@
                       <a:noFill/>
                       <a:extLst>
                         <a:ext uri="{909E8E84-426E-40dd-AFC4-6F175D3DCCD1}">
-                          <a14:hiddenFill xmlns="" xmlns:a14="http://schemas.microsoft.com/office/drawing/2010/main">
+                          <a14:hiddenFill xmlns:a14="http://schemas.microsoft.com/office/drawing/2010/main" xmlns="">
                             <a:solidFill>
                               <a:srgbClr val="FFFFFF"/>
                             </a:solidFill>
@@ -8293,7 +8293,7 @@
                       <a:noFill/>
                       <a:extLst>
                         <a:ext uri="{909E8E84-426E-40dd-AFC4-6F175D3DCCD1}">
-                          <a14:hiddenFill xmlns="" xmlns:a14="http://schemas.microsoft.com/office/drawing/2010/main">
+                          <a14:hiddenFill xmlns:a14="http://schemas.microsoft.com/office/drawing/2010/main" xmlns="">
                             <a:solidFill>
                               <a:srgbClr val="FFFFFF"/>
                             </a:solidFill>
@@ -17012,7 +17012,7 @@
                       <a:noFill/>
                       <a:extLst>
                         <a:ext uri="{909E8E84-426E-40dd-AFC4-6F175D3DCCD1}">
-                          <a14:hiddenFill xmlns="" xmlns:a14="http://schemas.microsoft.com/office/drawing/2010/main">
+                          <a14:hiddenFill xmlns:a14="http://schemas.microsoft.com/office/drawing/2010/main" xmlns="">
                             <a:solidFill>
                               <a:srgbClr val="FFFFFF"/>
                             </a:solidFill>
@@ -17656,7 +17656,7 @@
                       <a:noFill/>
                       <a:extLst>
                         <a:ext uri="{909E8E84-426E-40dd-AFC4-6F175D3DCCD1}">
-                          <a14:hiddenFill xmlns="" xmlns:a14="http://schemas.microsoft.com/office/drawing/2010/main">
+                          <a14:hiddenFill xmlns:a14="http://schemas.microsoft.com/office/drawing/2010/main" xmlns="">
                             <a:solidFill>
                               <a:srgbClr val="FFFFFF"/>
                             </a:solidFill>
@@ -20321,7 +20321,7 @@
                       <a:noFill/>
                       <a:extLst>
                         <a:ext uri="{909E8E84-426E-40dd-AFC4-6F175D3DCCD1}">
-                          <a14:hiddenFill xmlns="" xmlns:a14="http://schemas.microsoft.com/office/drawing/2010/main">
+                          <a14:hiddenFill xmlns:a14="http://schemas.microsoft.com/office/drawing/2010/main" xmlns="">
                             <a:solidFill>
                               <a:srgbClr val="FFFFFF"/>
                             </a:solidFill>
@@ -20982,7 +20982,7 @@
                       <a:noFill/>
                       <a:extLst>
                         <a:ext uri="{909E8E84-426E-40dd-AFC4-6F175D3DCCD1}">
-                          <a14:hiddenFill xmlns="" xmlns:a14="http://schemas.microsoft.com/office/drawing/2010/main">
+                          <a14:hiddenFill xmlns:a14="http://schemas.microsoft.com/office/drawing/2010/main" xmlns="">
                             <a:solidFill>
                               <a:srgbClr val="FFFFFF"/>
                             </a:solidFill>
@@ -21052,7 +21052,7 @@
                       <a:noFill/>
                       <a:extLst>
                         <a:ext uri="{909E8E84-426E-40dd-AFC4-6F175D3DCCD1}">
-                          <a14:hiddenFill xmlns="" xmlns:a14="http://schemas.microsoft.com/office/drawing/2010/main">
+                          <a14:hiddenFill xmlns:a14="http://schemas.microsoft.com/office/drawing/2010/main" xmlns="">
                             <a:solidFill>
                               <a:srgbClr val="FFFFFF"/>
                             </a:solidFill>
@@ -21283,14 +21283,14 @@
                         <a:latin typeface="Cambria Math" panose="02040503050406030204" pitchFamily="18" charset="0"/>
                         <a:ea typeface="Cambria Math" panose="02040503050406030204" pitchFamily="18" charset="0"/>
                       </a:rPr>
-                      <m:t>𝑦𝑖𝑥𝑖</m:t>
+                      <m:t>𝑦𝑖𝑥𝑖𝑗</m:t>
                     </m:r>
                     <m:r>
                       <a:rPr lang="en-US" sz="2400" b="0" i="1" baseline="-25000" dirty="0" smtClean="0">
                         <a:latin typeface="Cambria Math" panose="02040503050406030204" pitchFamily="18" charset="0"/>
                         <a:ea typeface="Cambria Math" panose="02040503050406030204" pitchFamily="18" charset="0"/>
                       </a:rPr>
-                      <m:t>𝑗𝑐</m:t>
+                      <m:t>𝑐</m:t>
                     </m:r>
                     <m:r>
                       <a:rPr lang="en-US" sz="2400" b="0" i="1" dirty="0" smtClean="0">
@@ -22067,16 +22067,20 @@
               <a:t>   for each training example (</a:t>
             </a:r>
             <a:r>
+              <a:rPr lang="en-US" sz="2400" i="1" dirty="0"/>
+              <a:t>x</a:t>
+            </a:r>
+            <a:r>
+              <a:rPr lang="en-US" sz="2400" i="1" baseline="-25000" dirty="0"/>
+              <a:t>i</a:t>
+            </a:r>
+            <a:r>
+              <a:rPr lang="en-US" sz="2400" i="1" dirty="0"/>
+              <a:t>, </a:t>
+            </a:r>
+            <a:r>
               <a:rPr lang="en-US" sz="2400" i="1" dirty="0" err="1"/>
-              <a:t>x</a:t>
-            </a:r>
-            <a:r>
-              <a:rPr lang="en-US" sz="2400" i="1" baseline="-25000" dirty="0" err="1"/>
-              <a:t>i</a:t>
-            </a:r>
-            <a:r>
-              <a:rPr lang="en-US" sz="2400" i="1" dirty="0" err="1"/>
-              <a:t>,y</a:t>
+              <a:t>y</a:t>
             </a:r>
             <a:r>
               <a:rPr lang="en-US" sz="2400" i="1" baseline="-25000" dirty="0" err="1"/>
@@ -22162,8 +22166,8 @@
           </a:p>
         </p:txBody>
       </p:sp>
-      <mc:AlternateContent xmlns:mc="http://schemas.openxmlformats.org/markup-compatibility/2006" xmlns:a14="http://schemas.microsoft.com/office/drawing/2010/main">
-        <mc:Choice Requires="a14">
+      <mc:AlternateContent xmlns:mc="http://schemas.openxmlformats.org/markup-compatibility/2006">
+        <mc:Choice xmlns:a14="http://schemas.microsoft.com/office/drawing/2010/main" Requires="a14">
           <p:sp>
             <p:nvSpPr>
               <p:cNvPr id="6" name="TextBox 5">
@@ -22179,7 +22183,7 @@
             <p:spPr>
               <a:xfrm>
                 <a:off x="1621950" y="3429000"/>
-                <a:ext cx="3489866" cy="461665"/>
+                <a:ext cx="3553986" cy="461665"/>
               </a:xfrm>
               <a:prstGeom prst="rect">
                 <a:avLst/>
@@ -22260,14 +22264,28 @@
                         <a:latin typeface="Cambria Math" panose="02040503050406030204" pitchFamily="18" charset="0"/>
                         <a:ea typeface="Cambria Math" panose="02040503050406030204" pitchFamily="18" charset="0"/>
                       </a:rPr>
-                      <m:t>𝑦𝑖𝑥𝑖</m:t>
+                      <m:t>𝑦𝑖</m:t>
+                    </m:r>
+                    <m:r>
+                      <a:rPr lang="en-US" sz="2400" b="0" i="1" dirty="0" smtClean="0">
+                        <a:latin typeface="Cambria Math" panose="02040503050406030204" pitchFamily="18" charset="0"/>
+                        <a:ea typeface="Cambria Math" panose="02040503050406030204" pitchFamily="18" charset="0"/>
+                      </a:rPr>
+                      <m:t>𝑥</m:t>
                     </m:r>
                     <m:r>
                       <a:rPr lang="en-US" sz="2400" b="0" i="1" baseline="-25000" dirty="0" smtClean="0">
                         <a:latin typeface="Cambria Math" panose="02040503050406030204" pitchFamily="18" charset="0"/>
                         <a:ea typeface="Cambria Math" panose="02040503050406030204" pitchFamily="18" charset="0"/>
                       </a:rPr>
-                      <m:t>𝑗𝑐</m:t>
+                      <m:t>𝑖𝑗</m:t>
+                    </m:r>
+                    <m:r>
+                      <a:rPr lang="en-US" sz="2400" b="0" i="1" dirty="0" smtClean="0">
+                        <a:latin typeface="Cambria Math" panose="02040503050406030204" pitchFamily="18" charset="0"/>
+                        <a:ea typeface="Cambria Math" panose="02040503050406030204" pitchFamily="18" charset="0"/>
+                      </a:rPr>
+                      <m:t>𝑐</m:t>
                     </m:r>
                     <m:r>
                       <a:rPr lang="en-US" sz="2400" b="0" i="1" dirty="0" smtClean="0">
@@ -22304,7 +22322,7 @@
             </p:txBody>
           </p:sp>
         </mc:Choice>
-        <mc:Fallback xmlns="">
+        <mc:Fallback>
           <p:sp>
             <p:nvSpPr>
               <p:cNvPr id="6" name="TextBox 5">
@@ -22322,7 +22340,7 @@
             <p:spPr>
               <a:xfrm>
                 <a:off x="1621950" y="3429000"/>
-                <a:ext cx="3489866" cy="461665"/>
+                <a:ext cx="3553986" cy="461665"/>
               </a:xfrm>
               <a:prstGeom prst="rect">
                 <a:avLst/>
@@ -22330,7 +22348,7 @@
               <a:blipFill>
                 <a:blip r:embed="rId2"/>
                 <a:stretch>
-                  <a:fillRect r="-362" b="-21622"/>
+                  <a:fillRect b="-21622"/>
                 </a:stretch>
               </a:blipFill>
             </p:spPr>
@@ -22567,14 +22585,14 @@
                         <a:latin typeface="Cambria Math" panose="02040503050406030204" pitchFamily="18" charset="0"/>
                         <a:ea typeface="Cambria Math" panose="02040503050406030204" pitchFamily="18" charset="0"/>
                       </a:rPr>
-                      <m:t>𝑦𝑖𝑥𝑖</m:t>
+                      <m:t>𝑦𝑖𝑥𝑖𝑗</m:t>
                     </m:r>
                     <m:r>
                       <a:rPr lang="en-US" sz="2400" b="0" i="1" baseline="-25000" dirty="0" smtClean="0">
                         <a:latin typeface="Cambria Math" panose="02040503050406030204" pitchFamily="18" charset="0"/>
                         <a:ea typeface="Cambria Math" panose="02040503050406030204" pitchFamily="18" charset="0"/>
                       </a:rPr>
-                      <m:t>𝑗𝑐</m:t>
+                      <m:t>𝑐</m:t>
                     </m:r>
                     <m:r>
                       <a:rPr lang="en-US" sz="2400" b="0" i="1" dirty="0" smtClean="0">
@@ -23376,7 +23394,7 @@
                       <a:noFill/>
                       <a:extLst>
                         <a:ext uri="{909E8E84-426E-40dd-AFC4-6F175D3DCCD1}">
-                          <a14:hiddenFill xmlns="" xmlns:a14="http://schemas.microsoft.com/office/drawing/2010/main">
+                          <a14:hiddenFill xmlns:a14="http://schemas.microsoft.com/office/drawing/2010/main" xmlns="">
                             <a:solidFill>
                               <a:srgbClr val="FFFFFF"/>
                             </a:solidFill>
@@ -23446,7 +23464,7 @@
                       <a:noFill/>
                       <a:extLst>
                         <a:ext uri="{909E8E84-426E-40dd-AFC4-6F175D3DCCD1}">
-                          <a14:hiddenFill xmlns="" xmlns:a14="http://schemas.microsoft.com/office/drawing/2010/main">
+                          <a14:hiddenFill xmlns:a14="http://schemas.microsoft.com/office/drawing/2010/main" xmlns="">
                             <a:solidFill>
                               <a:srgbClr val="FFFFFF"/>
                             </a:solidFill>

--- a/Lectures/Lecture 10_Regularization.pptx
+++ b/Lectures/Lecture 10_Regularization.pptx
@@ -264,7 +264,7 @@
           <a:p>
             <a:fld id="{3FE918EF-26F2-F641-9B39-65E2E78847ED}" type="datetimeFigureOut">
               <a:rPr lang="en-US" smtClean="0"/>
-              <a:t>10/13/23</a:t>
+              <a:t>11/16/23</a:t>
             </a:fld>
             <a:endParaRPr lang="en-US"/>
           </a:p>
@@ -1826,7 +1826,7 @@
             <a:fld id="{23A271A1-F6D6-438B-A432-4747EE7ECD40}" type="datetimeFigureOut">
               <a:rPr lang="en-US" smtClean="0"/>
               <a:pPr algn="ctr" eaLnBrk="1" latinLnBrk="0" hangingPunct="1"/>
-              <a:t>10/13/23</a:t>
+              <a:t>11/16/23</a:t>
             </a:fld>
             <a:endParaRPr lang="en-US" sz="2000" dirty="0">
               <a:solidFill>
@@ -2032,7 +2032,7 @@
             <a:fld id="{23A271A1-F6D6-438B-A432-4747EE7ECD40}" type="datetimeFigureOut">
               <a:rPr lang="en-US" smtClean="0"/>
               <a:pPr eaLnBrk="1" latinLnBrk="0" hangingPunct="1"/>
-              <a:t>10/13/23</a:t>
+              <a:t>11/16/23</a:t>
             </a:fld>
             <a:endParaRPr lang="en-US"/>
           </a:p>
@@ -2219,7 +2219,7 @@
             <a:fld id="{23A271A1-F6D6-438B-A432-4747EE7ECD40}" type="datetimeFigureOut">
               <a:rPr lang="en-US" smtClean="0"/>
               <a:pPr eaLnBrk="1" latinLnBrk="0" hangingPunct="1"/>
-              <a:t>10/13/23</a:t>
+              <a:t>11/16/23</a:t>
             </a:fld>
             <a:endParaRPr lang="en-US" dirty="0"/>
           </a:p>
@@ -2484,7 +2484,7 @@
             <a:fld id="{23A271A1-F6D6-438B-A432-4747EE7ECD40}" type="datetimeFigureOut">
               <a:rPr lang="en-US" smtClean="0"/>
               <a:pPr eaLnBrk="1" latinLnBrk="0" hangingPunct="1"/>
-              <a:t>10/13/23</a:t>
+              <a:t>11/16/23</a:t>
             </a:fld>
             <a:endParaRPr lang="en-US" dirty="0"/>
           </a:p>
@@ -2906,7 +2906,7 @@
             <a:fld id="{23A271A1-F6D6-438B-A432-4747EE7ECD40}" type="datetimeFigureOut">
               <a:rPr lang="en-US" smtClean="0"/>
               <a:pPr eaLnBrk="1" latinLnBrk="0" hangingPunct="1"/>
-              <a:t>10/13/23</a:t>
+              <a:t>11/16/23</a:t>
             </a:fld>
             <a:endParaRPr lang="en-US"/>
           </a:p>
@@ -3155,7 +3155,7 @@
             <a:fld id="{23A271A1-F6D6-438B-A432-4747EE7ECD40}" type="datetimeFigureOut">
               <a:rPr lang="en-US" smtClean="0"/>
               <a:pPr eaLnBrk="1" latinLnBrk="0" hangingPunct="1"/>
-              <a:t>10/13/23</a:t>
+              <a:t>11/16/23</a:t>
             </a:fld>
             <a:endParaRPr lang="en-US"/>
           </a:p>
@@ -3394,7 +3394,7 @@
             <a:fld id="{23A271A1-F6D6-438B-A432-4747EE7ECD40}" type="datetimeFigureOut">
               <a:rPr lang="en-US" smtClean="0"/>
               <a:pPr eaLnBrk="1" latinLnBrk="0" hangingPunct="1"/>
-              <a:t>10/13/23</a:t>
+              <a:t>11/16/23</a:t>
             </a:fld>
             <a:endParaRPr lang="en-US"/>
           </a:p>
@@ -3592,7 +3592,7 @@
             <a:fld id="{23A271A1-F6D6-438B-A432-4747EE7ECD40}" type="datetimeFigureOut">
               <a:rPr lang="en-US" smtClean="0"/>
               <a:pPr eaLnBrk="1" latinLnBrk="0" hangingPunct="1"/>
-              <a:t>10/13/23</a:t>
+              <a:t>11/16/23</a:t>
             </a:fld>
             <a:endParaRPr lang="en-US"/>
           </a:p>
@@ -3697,7 +3697,7 @@
             <a:fld id="{23A271A1-F6D6-438B-A432-4747EE7ECD40}" type="datetimeFigureOut">
               <a:rPr lang="en-US" smtClean="0"/>
               <a:pPr eaLnBrk="1" latinLnBrk="0" hangingPunct="1"/>
-              <a:t>10/13/23</a:t>
+              <a:t>11/16/23</a:t>
             </a:fld>
             <a:endParaRPr lang="en-US"/>
           </a:p>
@@ -3839,7 +3839,7 @@
             <a:fld id="{23A271A1-F6D6-438B-A432-4747EE7ECD40}" type="datetimeFigureOut">
               <a:rPr lang="en-US" smtClean="0"/>
               <a:pPr eaLnBrk="1" latinLnBrk="0" hangingPunct="1"/>
-              <a:t>10/13/23</a:t>
+              <a:t>11/16/23</a:t>
             </a:fld>
             <a:endParaRPr lang="en-US"/>
           </a:p>
@@ -4363,7 +4363,7 @@
             <a:fld id="{23A271A1-F6D6-438B-A432-4747EE7ECD40}" type="datetimeFigureOut">
               <a:rPr lang="en-US" smtClean="0"/>
               <a:pPr eaLnBrk="1" latinLnBrk="0" hangingPunct="1"/>
-              <a:t>10/13/23</a:t>
+              <a:t>11/16/23</a:t>
             </a:fld>
             <a:endParaRPr lang="en-US"/>
           </a:p>
@@ -4626,7 +4626,7 @@
             <a:fld id="{23A271A1-F6D6-438B-A432-4747EE7ECD40}" type="datetimeFigureOut">
               <a:rPr lang="en-US" smtClean="0"/>
               <a:pPr eaLnBrk="1" latinLnBrk="0" hangingPunct="1"/>
-              <a:t>10/13/23</a:t>
+              <a:t>11/16/23</a:t>
             </a:fld>
             <a:endParaRPr lang="en-US" sz="1400" dirty="0">
               <a:solidFill>
@@ -6989,7 +6989,7 @@
                       <a:noFill/>
                       <a:extLst>
                         <a:ext uri="{909E8E84-426E-40dd-AFC4-6F175D3DCCD1}">
-                          <a14:hiddenFill xmlns:a14="http://schemas.microsoft.com/office/drawing/2010/main" xmlns="">
+                          <a14:hiddenFill xmlns="" xmlns:a14="http://schemas.microsoft.com/office/drawing/2010/main">
                             <a:solidFill>
                               <a:srgbClr val="FFFFFF"/>
                             </a:solidFill>
@@ -7362,7 +7362,7 @@
                       <a:noFill/>
                       <a:extLst>
                         <a:ext uri="{909E8E84-426E-40dd-AFC4-6F175D3DCCD1}">
-                          <a14:hiddenFill xmlns:a14="http://schemas.microsoft.com/office/drawing/2010/main" xmlns="">
+                          <a14:hiddenFill xmlns="" xmlns:a14="http://schemas.microsoft.com/office/drawing/2010/main">
                             <a:solidFill>
                               <a:srgbClr val="FFFFFF"/>
                             </a:solidFill>
@@ -7463,7 +7463,7 @@
                       <a:noFill/>
                       <a:extLst>
                         <a:ext uri="{909E8E84-426E-40dd-AFC4-6F175D3DCCD1}">
-                          <a14:hiddenFill xmlns:a14="http://schemas.microsoft.com/office/drawing/2010/main" xmlns="">
+                          <a14:hiddenFill xmlns="" xmlns:a14="http://schemas.microsoft.com/office/drawing/2010/main">
                             <a:solidFill>
                               <a:srgbClr val="FFFFFF"/>
                             </a:solidFill>
@@ -7591,7 +7591,7 @@
                       <a:noFill/>
                       <a:extLst>
                         <a:ext uri="{909E8E84-426E-40dd-AFC4-6F175D3DCCD1}">
-                          <a14:hiddenFill xmlns:a14="http://schemas.microsoft.com/office/drawing/2010/main" xmlns="">
+                          <a14:hiddenFill xmlns="" xmlns:a14="http://schemas.microsoft.com/office/drawing/2010/main">
                             <a:solidFill>
                               <a:srgbClr val="FFFFFF"/>
                             </a:solidFill>
@@ -7789,7 +7789,7 @@
                       <a:noFill/>
                       <a:extLst>
                         <a:ext uri="{909E8E84-426E-40dd-AFC4-6F175D3DCCD1}">
-                          <a14:hiddenFill xmlns:a14="http://schemas.microsoft.com/office/drawing/2010/main" xmlns="">
+                          <a14:hiddenFill xmlns="" xmlns:a14="http://schemas.microsoft.com/office/drawing/2010/main">
                             <a:solidFill>
                               <a:srgbClr val="FFFFFF"/>
                             </a:solidFill>
@@ -8293,7 +8293,7 @@
                       <a:noFill/>
                       <a:extLst>
                         <a:ext uri="{909E8E84-426E-40dd-AFC4-6F175D3DCCD1}">
-                          <a14:hiddenFill xmlns:a14="http://schemas.microsoft.com/office/drawing/2010/main" xmlns="">
+                          <a14:hiddenFill xmlns="" xmlns:a14="http://schemas.microsoft.com/office/drawing/2010/main">
                             <a:solidFill>
                               <a:srgbClr val="FFFFFF"/>
                             </a:solidFill>
@@ -8514,7 +8514,7 @@
                   <a:srgbClr val="0000FF"/>
                 </a:solidFill>
               </a:rPr>
-              <a:t>If they’re the same sign, as the predicted gets larger there update gets smaller</a:t>
+              <a:t>If they’re the same sign, as the predicted gets larger the update gets smaller</a:t>
             </a:r>
           </a:p>
           <a:p>
@@ -9706,13 +9706,8 @@
             </a:r>
             <a:r>
               <a:rPr lang="en-US" dirty="0"/>
-              <a:t>is an additional criterion to the loss function to make sure that we don’t </a:t>
-            </a:r>
-            <a:r>
-              <a:rPr lang="en-US" dirty="0" err="1"/>
-              <a:t>overfit</a:t>
-            </a:r>
-            <a:endParaRPr lang="en-US" dirty="0"/>
+              <a:t>is an additional criterion to the loss function to make sure that we don’t overfit.</a:t>
+            </a:r>
           </a:p>
           <a:p>
             <a:pPr marL="0" indent="0">
@@ -9734,7 +9729,7 @@
             </a:r>
             <a:r>
               <a:rPr lang="en-US" dirty="0"/>
-              <a:t> since it tries to keep the parameters more normal/regular</a:t>
+              <a:t> since it tries to keep the parameters more normal/regular.</a:t>
             </a:r>
           </a:p>
           <a:p>
@@ -17012,7 +17007,7 @@
                       <a:noFill/>
                       <a:extLst>
                         <a:ext uri="{909E8E84-426E-40dd-AFC4-6F175D3DCCD1}">
-                          <a14:hiddenFill xmlns:a14="http://schemas.microsoft.com/office/drawing/2010/main" xmlns="">
+                          <a14:hiddenFill xmlns="" xmlns:a14="http://schemas.microsoft.com/office/drawing/2010/main">
                             <a:solidFill>
                               <a:srgbClr val="FFFFFF"/>
                             </a:solidFill>
@@ -17656,7 +17651,7 @@
                       <a:noFill/>
                       <a:extLst>
                         <a:ext uri="{909E8E84-426E-40dd-AFC4-6F175D3DCCD1}">
-                          <a14:hiddenFill xmlns:a14="http://schemas.microsoft.com/office/drawing/2010/main" xmlns="">
+                          <a14:hiddenFill xmlns="" xmlns:a14="http://schemas.microsoft.com/office/drawing/2010/main">
                             <a:solidFill>
                               <a:srgbClr val="FFFFFF"/>
                             </a:solidFill>
@@ -20321,7 +20316,7 @@
                       <a:noFill/>
                       <a:extLst>
                         <a:ext uri="{909E8E84-426E-40dd-AFC4-6F175D3DCCD1}">
-                          <a14:hiddenFill xmlns:a14="http://schemas.microsoft.com/office/drawing/2010/main" xmlns="">
+                          <a14:hiddenFill xmlns="" xmlns:a14="http://schemas.microsoft.com/office/drawing/2010/main">
                             <a:solidFill>
                               <a:srgbClr val="FFFFFF"/>
                             </a:solidFill>
@@ -20982,7 +20977,7 @@
                       <a:noFill/>
                       <a:extLst>
                         <a:ext uri="{909E8E84-426E-40dd-AFC4-6F175D3DCCD1}">
-                          <a14:hiddenFill xmlns:a14="http://schemas.microsoft.com/office/drawing/2010/main" xmlns="">
+                          <a14:hiddenFill xmlns="" xmlns:a14="http://schemas.microsoft.com/office/drawing/2010/main">
                             <a:solidFill>
                               <a:srgbClr val="FFFFFF"/>
                             </a:solidFill>
@@ -21052,7 +21047,7 @@
                       <a:noFill/>
                       <a:extLst>
                         <a:ext uri="{909E8E84-426E-40dd-AFC4-6F175D3DCCD1}">
-                          <a14:hiddenFill xmlns:a14="http://schemas.microsoft.com/office/drawing/2010/main" xmlns="">
+                          <a14:hiddenFill xmlns="" xmlns:a14="http://schemas.microsoft.com/office/drawing/2010/main">
                             <a:solidFill>
                               <a:srgbClr val="FFFFFF"/>
                             </a:solidFill>
@@ -21185,8 +21180,8 @@
           </a:p>
         </p:txBody>
       </p:sp>
-      <mc:AlternateContent xmlns:mc="http://schemas.openxmlformats.org/markup-compatibility/2006" xmlns:a14="http://schemas.microsoft.com/office/drawing/2010/main">
-        <mc:Choice Requires="a14">
+      <mc:AlternateContent xmlns:mc="http://schemas.openxmlformats.org/markup-compatibility/2006">
+        <mc:Choice xmlns:a14="http://schemas.microsoft.com/office/drawing/2010/main" Requires="a14">
           <p:sp>
             <p:nvSpPr>
               <p:cNvPr id="3" name="TextBox 2">
@@ -21202,7 +21197,7 @@
             <p:spPr>
               <a:xfrm>
                 <a:off x="2588903" y="1710809"/>
-                <a:ext cx="3489866" cy="461665"/>
+                <a:ext cx="3495124" cy="461665"/>
               </a:xfrm>
               <a:prstGeom prst="rect">
                 <a:avLst/>
@@ -21283,10 +21278,38 @@
                         <a:latin typeface="Cambria Math" panose="02040503050406030204" pitchFamily="18" charset="0"/>
                         <a:ea typeface="Cambria Math" panose="02040503050406030204" pitchFamily="18" charset="0"/>
                       </a:rPr>
-                      <m:t>𝑦𝑖𝑥𝑖𝑗</m:t>
+                      <m:t>𝑦𝑖</m:t>
+                    </m:r>
+                    <m:r>
+                      <a:rPr lang="en-US" sz="2400" b="0" i="1" dirty="0" smtClean="0">
+                        <a:latin typeface="Cambria Math" panose="02040503050406030204" pitchFamily="18" charset="0"/>
+                        <a:ea typeface="Cambria Math" panose="02040503050406030204" pitchFamily="18" charset="0"/>
+                      </a:rPr>
+                      <m:t>𝑥</m:t>
                     </m:r>
                     <m:r>
                       <a:rPr lang="en-US" sz="2400" b="0" i="1" baseline="-25000" dirty="0" smtClean="0">
+                        <a:latin typeface="Cambria Math" panose="02040503050406030204" pitchFamily="18" charset="0"/>
+                        <a:ea typeface="Cambria Math" panose="02040503050406030204" pitchFamily="18" charset="0"/>
+                      </a:rPr>
+                      <m:t>𝑖</m:t>
+                    </m:r>
+                    <m:r>
+                      <a:rPr lang="en-US" sz="2400" b="0" i="1" baseline="-25000" dirty="0" smtClean="0">
+                        <a:latin typeface="Cambria Math" panose="02040503050406030204" pitchFamily="18" charset="0"/>
+                        <a:ea typeface="Cambria Math" panose="02040503050406030204" pitchFamily="18" charset="0"/>
+                      </a:rPr>
+                      <m:t>𝑗</m:t>
+                    </m:r>
+                    <m:r>
+                      <a:rPr lang="en-US" sz="2400" b="0" i="1" dirty="0" smtClean="0">
+                        <a:latin typeface="Cambria Math" panose="02040503050406030204" pitchFamily="18" charset="0"/>
+                        <a:ea typeface="Cambria Math" panose="02040503050406030204" pitchFamily="18" charset="0"/>
+                      </a:rPr>
+                      <m:t> </m:t>
+                    </m:r>
+                    <m:r>
+                      <a:rPr lang="en-US" sz="2400" b="0" i="1" dirty="0" smtClean="0">
                         <a:latin typeface="Cambria Math" panose="02040503050406030204" pitchFamily="18" charset="0"/>
                         <a:ea typeface="Cambria Math" panose="02040503050406030204" pitchFamily="18" charset="0"/>
                       </a:rPr>
@@ -21297,7 +21320,7 @@
                         <a:latin typeface="Cambria Math" panose="02040503050406030204" pitchFamily="18" charset="0"/>
                         <a:ea typeface="Cambria Math" panose="02040503050406030204" pitchFamily="18" charset="0"/>
                       </a:rPr>
-                      <m:t> − </m:t>
+                      <m:t>− </m:t>
                     </m:r>
                     <m:r>
                       <a:rPr lang="en-US" sz="2400" b="0" i="1" dirty="0" smtClean="0">
@@ -21327,7 +21350,7 @@
             </p:txBody>
           </p:sp>
         </mc:Choice>
-        <mc:Fallback xmlns="">
+        <mc:Fallback>
           <p:sp>
             <p:nvSpPr>
               <p:cNvPr id="3" name="TextBox 2">
@@ -21345,15 +21368,15 @@
             <p:spPr>
               <a:xfrm>
                 <a:off x="2588903" y="1710809"/>
-                <a:ext cx="3489866" cy="461665"/>
+                <a:ext cx="3495124" cy="461665"/>
               </a:xfrm>
               <a:prstGeom prst="rect">
                 <a:avLst/>
               </a:prstGeom>
               <a:blipFill>
-                <a:blip r:embed="rId7"/>
+                <a:blip r:embed="rId6"/>
                 <a:stretch>
-                  <a:fillRect r="-727" b="-24324"/>
+                  <a:fillRect r="-362" b="-24324"/>
                 </a:stretch>
               </a:blipFill>
             </p:spPr>
@@ -22166,8 +22189,8 @@
           </a:p>
         </p:txBody>
       </p:sp>
-      <mc:AlternateContent xmlns:mc="http://schemas.openxmlformats.org/markup-compatibility/2006">
-        <mc:Choice xmlns:a14="http://schemas.microsoft.com/office/drawing/2010/main" Requires="a14">
+      <mc:AlternateContent xmlns:mc="http://schemas.openxmlformats.org/markup-compatibility/2006" xmlns:a14="http://schemas.microsoft.com/office/drawing/2010/main">
+        <mc:Choice Requires="a14">
           <p:sp>
             <p:nvSpPr>
               <p:cNvPr id="6" name="TextBox 5">
@@ -22264,28 +22287,14 @@
                         <a:latin typeface="Cambria Math" panose="02040503050406030204" pitchFamily="18" charset="0"/>
                         <a:ea typeface="Cambria Math" panose="02040503050406030204" pitchFamily="18" charset="0"/>
                       </a:rPr>
-                      <m:t>𝑦𝑖</m:t>
-                    </m:r>
-                    <m:r>
-                      <a:rPr lang="en-US" sz="2400" b="0" i="1" dirty="0" smtClean="0">
-                        <a:latin typeface="Cambria Math" panose="02040503050406030204" pitchFamily="18" charset="0"/>
-                        <a:ea typeface="Cambria Math" panose="02040503050406030204" pitchFamily="18" charset="0"/>
-                      </a:rPr>
-                      <m:t>𝑥</m:t>
+                      <m:t>𝑦𝑖𝑥𝑖</m:t>
                     </m:r>
                     <m:r>
                       <a:rPr lang="en-US" sz="2400" b="0" i="1" baseline="-25000" dirty="0" smtClean="0">
                         <a:latin typeface="Cambria Math" panose="02040503050406030204" pitchFamily="18" charset="0"/>
                         <a:ea typeface="Cambria Math" panose="02040503050406030204" pitchFamily="18" charset="0"/>
                       </a:rPr>
-                      <m:t>𝑖𝑗</m:t>
-                    </m:r>
-                    <m:r>
-                      <a:rPr lang="en-US" sz="2400" b="0" i="1" dirty="0" smtClean="0">
-                        <a:latin typeface="Cambria Math" panose="02040503050406030204" pitchFamily="18" charset="0"/>
-                        <a:ea typeface="Cambria Math" panose="02040503050406030204" pitchFamily="18" charset="0"/>
-                      </a:rPr>
-                      <m:t>𝑐</m:t>
+                      <m:t>𝑗𝑐</m:t>
                     </m:r>
                     <m:r>
                       <a:rPr lang="en-US" sz="2400" b="0" i="1" dirty="0" smtClean="0">
@@ -22322,7 +22331,7 @@
             </p:txBody>
           </p:sp>
         </mc:Choice>
-        <mc:Fallback>
+        <mc:Fallback xmlns="">
           <p:sp>
             <p:nvSpPr>
               <p:cNvPr id="6" name="TextBox 5">
@@ -22585,14 +22594,7 @@
                         <a:latin typeface="Cambria Math" panose="02040503050406030204" pitchFamily="18" charset="0"/>
                         <a:ea typeface="Cambria Math" panose="02040503050406030204" pitchFamily="18" charset="0"/>
                       </a:rPr>
-                      <m:t>𝑦𝑖𝑥𝑖𝑗</m:t>
-                    </m:r>
-                    <m:r>
-                      <a:rPr lang="en-US" sz="2400" b="0" i="1" baseline="-25000" dirty="0" smtClean="0">
-                        <a:latin typeface="Cambria Math" panose="02040503050406030204" pitchFamily="18" charset="0"/>
-                        <a:ea typeface="Cambria Math" panose="02040503050406030204" pitchFamily="18" charset="0"/>
-                      </a:rPr>
-                      <m:t>𝑐</m:t>
+                      <m:t>𝑦𝑖𝑥𝑖𝑗𝑐</m:t>
                     </m:r>
                     <m:r>
                       <a:rPr lang="en-US" sz="2400" b="0" i="1" dirty="0" smtClean="0">
@@ -23394,7 +23396,7 @@
                       <a:noFill/>
                       <a:extLst>
                         <a:ext uri="{909E8E84-426E-40dd-AFC4-6F175D3DCCD1}">
-                          <a14:hiddenFill xmlns:a14="http://schemas.microsoft.com/office/drawing/2010/main" xmlns="">
+                          <a14:hiddenFill xmlns="" xmlns:a14="http://schemas.microsoft.com/office/drawing/2010/main">
                             <a:solidFill>
                               <a:srgbClr val="FFFFFF"/>
                             </a:solidFill>
@@ -23464,7 +23466,7 @@
                       <a:noFill/>
                       <a:extLst>
                         <a:ext uri="{909E8E84-426E-40dd-AFC4-6F175D3DCCD1}">
-                          <a14:hiddenFill xmlns:a14="http://schemas.microsoft.com/office/drawing/2010/main" xmlns="">
+                          <a14:hiddenFill xmlns="" xmlns:a14="http://schemas.microsoft.com/office/drawing/2010/main">
                             <a:solidFill>
                               <a:srgbClr val="FFFFFF"/>
                             </a:solidFill>
